--- a/python-for-beginners/Slides/11 - Collections.pptx
+++ b/python-for-beginners/Slides/11 - Collections.pptx
@@ -2041,6 +2041,9 @@
         <a:lstStyle/>
         <a:p>
           <a:pPr>
+            <a:lnSpc>
+              <a:spcPct val="100000"/>
+            </a:lnSpc>
             <a:defRPr b="1"/>
           </a:pPr>
           <a:r>
@@ -2076,13 +2079,35 @@
       <dgm:prSet/>
       <dgm:spPr/>
       <dgm:t>
-        <a:bodyPr/>
+        <a:bodyPr anchor="ctr"/>
         <a:lstStyle/>
         <a:p>
+          <a:pPr>
+            <a:lnSpc>
+              <a:spcPct val="100000"/>
+            </a:lnSpc>
+          </a:pPr>
           <a:r>
-            <a:rPr lang="en-US"/>
-            <a:t>Simple types such as numbers</a:t>
+            <a:rPr lang="en-US" dirty="0" err="1"/>
+            <a:t>Tipos</a:t>
           </a:r>
+          <a:r>
+            <a:rPr lang="en-US" dirty="0"/>
+            <a:t> simples, </a:t>
+          </a:r>
+          <a:r>
+            <a:rPr lang="en-US" dirty="0" err="1"/>
+            <a:t>como</a:t>
+          </a:r>
+          <a:r>
+            <a:rPr lang="en-US" dirty="0"/>
+            <a:t> </a:t>
+          </a:r>
+          <a:r>
+            <a:rPr lang="en-US" dirty="0" err="1"/>
+            <a:t>números</a:t>
+          </a:r>
+          <a:endParaRPr lang="en-US" dirty="0"/>
         </a:p>
       </dgm:t>
     </dgm:pt>
@@ -2108,42 +2133,6 @@
         </a:p>
       </dgm:t>
     </dgm:pt>
-    <dgm:pt modelId="{011E2DA6-20FF-43DE-BC4A-9D1313297CBA}">
-      <dgm:prSet/>
-      <dgm:spPr/>
-      <dgm:t>
-        <a:bodyPr/>
-        <a:lstStyle/>
-        <a:p>
-          <a:r>
-            <a:rPr lang="en-US"/>
-            <a:t>Must all be the same type</a:t>
-          </a:r>
-        </a:p>
-      </dgm:t>
-    </dgm:pt>
-    <dgm:pt modelId="{E1FE2076-2DF7-4F1D-A7BE-07628F3F8931}" type="parTrans" cxnId="{4A1D34CA-E4FC-4F75-ABCD-41FEC7C82E97}">
-      <dgm:prSet/>
-      <dgm:spPr/>
-      <dgm:t>
-        <a:bodyPr/>
-        <a:lstStyle/>
-        <a:p>
-          <a:endParaRPr lang="en-US"/>
-        </a:p>
-      </dgm:t>
-    </dgm:pt>
-    <dgm:pt modelId="{921CF6B7-DC8D-4871-B33F-E0DEDED94308}" type="sibTrans" cxnId="{4A1D34CA-E4FC-4F75-ABCD-41FEC7C82E97}">
-      <dgm:prSet/>
-      <dgm:spPr/>
-      <dgm:t>
-        <a:bodyPr/>
-        <a:lstStyle/>
-        <a:p>
-          <a:endParaRPr lang="en-US"/>
-        </a:p>
-      </dgm:t>
-    </dgm:pt>
     <dgm:pt modelId="{E776B6C1-7984-4BE9-8341-BEA397EC2135}">
       <dgm:prSet/>
       <dgm:spPr/>
@@ -2152,12 +2141,16 @@
         <a:lstStyle/>
         <a:p>
           <a:pPr>
+            <a:lnSpc>
+              <a:spcPct val="100000"/>
+            </a:lnSpc>
             <a:defRPr b="1"/>
           </a:pPr>
           <a:r>
-            <a:rPr lang="en-US"/>
-            <a:t>Lists</a:t>
+            <a:rPr lang="en-US" dirty="0" err="1"/>
+            <a:t>Listas</a:t>
           </a:r>
+          <a:endParaRPr lang="en-US" dirty="0"/>
         </a:p>
       </dgm:t>
     </dgm:pt>
@@ -2190,10 +2183,16 @@
         <a:bodyPr/>
         <a:lstStyle/>
         <a:p>
+          <a:pPr>
+            <a:lnSpc>
+              <a:spcPct val="100000"/>
+            </a:lnSpc>
+          </a:pPr>
           <a:r>
             <a:rPr lang="en-US"/>
-            <a:t>Store anything</a:t>
+            <a:t>Armazene qualquer coisa</a:t>
           </a:r>
+          <a:endParaRPr lang="en-US" dirty="0"/>
         </a:p>
       </dgm:t>
     </dgm:pt>
@@ -2219,21 +2218,27 @@
         </a:p>
       </dgm:t>
     </dgm:pt>
-    <dgm:pt modelId="{511C321E-645A-4CE9-92B9-83CBA2B2A8C0}">
+    <dgm:pt modelId="{C96E661F-E27B-46E3-97A5-3DBD95D9CE86}">
       <dgm:prSet/>
       <dgm:spPr/>
       <dgm:t>
-        <a:bodyPr/>
+        <a:bodyPr anchor="ctr"/>
         <a:lstStyle/>
         <a:p>
+          <a:pPr>
+            <a:lnSpc>
+              <a:spcPct val="100000"/>
+            </a:lnSpc>
+          </a:pPr>
           <a:r>
-            <a:rPr lang="en-US"/>
-            <a:t>Store any type</a:t>
+            <a:rPr lang="pt-BR" dirty="0"/>
+            <a:t>Todos devem ser do mesmo tipo</a:t>
           </a:r>
+          <a:endParaRPr lang="en-US" dirty="0"/>
         </a:p>
       </dgm:t>
     </dgm:pt>
-    <dgm:pt modelId="{CD1EA0B6-B7A4-49B1-B7EF-B8AAF02D51DF}" type="parTrans" cxnId="{649DFD92-E394-4825-A6A6-16745AA29A47}">
+    <dgm:pt modelId="{E30133AE-893F-45D8-BB5B-80A709B67B53}" type="parTrans" cxnId="{812BED24-80D8-47E9-9402-B5B0A97F1094}">
       <dgm:prSet/>
       <dgm:spPr/>
       <dgm:t>
@@ -2244,7 +2249,48 @@
         </a:p>
       </dgm:t>
     </dgm:pt>
-    <dgm:pt modelId="{51B8C72C-C0CB-4E6B-A313-272626F1027E}" type="sibTrans" cxnId="{649DFD92-E394-4825-A6A6-16745AA29A47}">
+    <dgm:pt modelId="{326EBC81-1CAB-4D48-9C04-FEBDE60DD42E}" type="sibTrans" cxnId="{812BED24-80D8-47E9-9402-B5B0A97F1094}">
+      <dgm:prSet/>
+      <dgm:spPr/>
+      <dgm:t>
+        <a:bodyPr/>
+        <a:lstStyle/>
+        <a:p>
+          <a:endParaRPr lang="en-US"/>
+        </a:p>
+      </dgm:t>
+    </dgm:pt>
+    <dgm:pt modelId="{FB580485-3584-4A3E-AFF3-04EABEB7307F}">
+      <dgm:prSet/>
+      <dgm:spPr/>
+      <dgm:t>
+        <a:bodyPr/>
+        <a:lstStyle/>
+        <a:p>
+          <a:pPr>
+            <a:lnSpc>
+              <a:spcPct val="100000"/>
+            </a:lnSpc>
+          </a:pPr>
+          <a:r>
+            <a:rPr lang="en-US" dirty="0"/>
+            <a:t>Armazene qualquer tipo</a:t>
+          </a:r>
+        </a:p>
+      </dgm:t>
+    </dgm:pt>
+    <dgm:pt modelId="{B4DEFA52-EF79-4157-8B66-5A6903A7517F}" type="parTrans" cxnId="{DCCB2528-9D35-4D46-85BF-20F113BB9CCF}">
+      <dgm:prSet/>
+      <dgm:spPr/>
+      <dgm:t>
+        <a:bodyPr/>
+        <a:lstStyle/>
+        <a:p>
+          <a:endParaRPr lang="en-US"/>
+        </a:p>
+      </dgm:t>
+    </dgm:pt>
+    <dgm:pt modelId="{477D37D8-5254-4C3F-9542-D710EE0E25A2}" type="sibTrans" cxnId="{DCCB2528-9D35-4D46-85BF-20F113BB9CCF}">
       <dgm:prSet/>
       <dgm:spPr/>
       <dgm:t>
@@ -2384,14 +2430,14 @@
     <dgm:cxn modelId="{D609F908-09A3-43D0-BE3B-4F76C5F30104}" type="presOf" srcId="{8875FE75-AF11-4624-9C9C-DE8BC7ABF876}" destId="{58C4FB18-16DD-4610-88AB-DC0E59C393AE}" srcOrd="0" destOrd="0" presId="urn:microsoft.com/office/officeart/2018/5/layout/CenteredIconLabelDescriptionList"/>
     <dgm:cxn modelId="{EBE4170C-EF5C-489A-90C6-4DC2233F4AE1}" type="presOf" srcId="{E776B6C1-7984-4BE9-8341-BEA397EC2135}" destId="{7EDAE483-08ED-4750-A737-1A112F59FBE5}" srcOrd="0" destOrd="0" presId="urn:microsoft.com/office/officeart/2018/5/layout/CenteredIconLabelDescriptionList"/>
     <dgm:cxn modelId="{93032913-FFD3-47DF-A19E-23FC05B90905}" type="presOf" srcId="{EB446E3B-5008-4848-9715-B4D3AB93B3AC}" destId="{53B8037F-B1C4-468E-AE57-1DD605111B33}" srcOrd="0" destOrd="0" presId="urn:microsoft.com/office/officeart/2018/5/layout/CenteredIconLabelDescriptionList"/>
-    <dgm:cxn modelId="{38219430-915F-41CA-A7F2-3F9428482758}" type="presOf" srcId="{511C321E-645A-4CE9-92B9-83CBA2B2A8C0}" destId="{53B8037F-B1C4-468E-AE57-1DD605111B33}" srcOrd="0" destOrd="1" presId="urn:microsoft.com/office/officeart/2018/5/layout/CenteredIconLabelDescriptionList"/>
+    <dgm:cxn modelId="{812BED24-80D8-47E9-9402-B5B0A97F1094}" srcId="{DB7BAF7D-2462-4A38-9FB7-2F6BB00C9F30}" destId="{C96E661F-E27B-46E3-97A5-3DBD95D9CE86}" srcOrd="1" destOrd="0" parTransId="{E30133AE-893F-45D8-BB5B-80A709B67B53}" sibTransId="{326EBC81-1CAB-4D48-9C04-FEBDE60DD42E}"/>
+    <dgm:cxn modelId="{DCCB2528-9D35-4D46-85BF-20F113BB9CCF}" srcId="{E776B6C1-7984-4BE9-8341-BEA397EC2135}" destId="{FB580485-3584-4A3E-AFF3-04EABEB7307F}" srcOrd="1" destOrd="0" parTransId="{B4DEFA52-EF79-4157-8B66-5A6903A7517F}" sibTransId="{477D37D8-5254-4C3F-9542-D710EE0E25A2}"/>
     <dgm:cxn modelId="{EA078170-A1B1-404B-A4A8-98786D832815}" type="presOf" srcId="{C888DEDA-44CB-4896-8E8B-C32909395336}" destId="{2C788FFE-0586-4CB4-9465-6CE28C1366C8}" srcOrd="0" destOrd="0" presId="urn:microsoft.com/office/officeart/2018/5/layout/CenteredIconLabelDescriptionList"/>
-    <dgm:cxn modelId="{649DFD92-E394-4825-A6A6-16745AA29A47}" srcId="{E776B6C1-7984-4BE9-8341-BEA397EC2135}" destId="{511C321E-645A-4CE9-92B9-83CBA2B2A8C0}" srcOrd="1" destOrd="0" parTransId="{CD1EA0B6-B7A4-49B1-B7EF-B8AAF02D51DF}" sibTransId="{51B8C72C-C0CB-4E6B-A313-272626F1027E}"/>
+    <dgm:cxn modelId="{63D84AB3-D959-437B-BE71-E6110736322D}" type="presOf" srcId="{FB580485-3584-4A3E-AFF3-04EABEB7307F}" destId="{53B8037F-B1C4-468E-AE57-1DD605111B33}" srcOrd="0" destOrd="1" presId="urn:microsoft.com/office/officeart/2018/5/layout/CenteredIconLabelDescriptionList"/>
     <dgm:cxn modelId="{172D9CB6-A2D1-47E8-8FFC-2D063309CB78}" srcId="{DB7BAF7D-2462-4A38-9FB7-2F6BB00C9F30}" destId="{8875FE75-AF11-4624-9C9C-DE8BC7ABF876}" srcOrd="0" destOrd="0" parTransId="{D11195EA-D7FE-40A0-A2FA-5E425F2D8C58}" sibTransId="{3E666A5C-0622-497D-9EA7-F6F2A6F3FE92}"/>
     <dgm:cxn modelId="{224233BC-F343-4D9A-9B5C-5BB755093DBB}" type="presOf" srcId="{DB7BAF7D-2462-4A38-9FB7-2F6BB00C9F30}" destId="{CC936FBB-444B-4DD4-962A-2CD45A833D72}" srcOrd="0" destOrd="0" presId="urn:microsoft.com/office/officeart/2018/5/layout/CenteredIconLabelDescriptionList"/>
-    <dgm:cxn modelId="{4A1D34CA-E4FC-4F75-ABCD-41FEC7C82E97}" srcId="{DB7BAF7D-2462-4A38-9FB7-2F6BB00C9F30}" destId="{011E2DA6-20FF-43DE-BC4A-9D1313297CBA}" srcOrd="1" destOrd="0" parTransId="{E1FE2076-2DF7-4F1D-A7BE-07628F3F8931}" sibTransId="{921CF6B7-DC8D-4871-B33F-E0DEDED94308}"/>
-    <dgm:cxn modelId="{CC2BFECF-9010-49C8-8C33-EB33EB44EF96}" type="presOf" srcId="{011E2DA6-20FF-43DE-BC4A-9D1313297CBA}" destId="{58C4FB18-16DD-4610-88AB-DC0E59C393AE}" srcOrd="0" destOrd="1" presId="urn:microsoft.com/office/officeart/2018/5/layout/CenteredIconLabelDescriptionList"/>
     <dgm:cxn modelId="{AA3173D1-0BB4-496B-A991-7E2F967CADE2}" srcId="{C888DEDA-44CB-4896-8E8B-C32909395336}" destId="{DB7BAF7D-2462-4A38-9FB7-2F6BB00C9F30}" srcOrd="0" destOrd="0" parTransId="{FE673134-64F8-4B65-93F7-E9D0285E061B}" sibTransId="{1D5347D9-092E-40F3-91F6-A64A90191D6B}"/>
+    <dgm:cxn modelId="{E6B9D3E1-1B22-4384-ADD4-18AE6AABC00F}" type="presOf" srcId="{C96E661F-E27B-46E3-97A5-3DBD95D9CE86}" destId="{58C4FB18-16DD-4610-88AB-DC0E59C393AE}" srcOrd="0" destOrd="1" presId="urn:microsoft.com/office/officeart/2018/5/layout/CenteredIconLabelDescriptionList"/>
     <dgm:cxn modelId="{B2468DE3-8369-4422-92F3-17906D0C86B2}" srcId="{C888DEDA-44CB-4896-8E8B-C32909395336}" destId="{E776B6C1-7984-4BE9-8341-BEA397EC2135}" srcOrd="1" destOrd="0" parTransId="{30C44061-B62E-46F9-9625-AF45AE0EFC13}" sibTransId="{A1C6F6A2-264C-420C-97F0-F8A037903115}"/>
     <dgm:cxn modelId="{57909078-CAC0-4D54-A71B-AF1C79BA70FC}" type="presParOf" srcId="{2C788FFE-0586-4CB4-9465-6CE28C1366C8}" destId="{71859AD0-C491-4C1C-8CB6-5F219DC1B8F0}" srcOrd="0" destOrd="0" presId="urn:microsoft.com/office/officeart/2018/5/layout/CenteredIconLabelDescriptionList"/>
     <dgm:cxn modelId="{C4FE5558-5A06-42E7-9DE5-A3F71754F1AB}" type="presParOf" srcId="{71859AD0-C491-4C1C-8CB6-5F219DC1B8F0}" destId="{13A574D7-8DA6-4C83-82B7-DA294584F575}" srcOrd="0" destOrd="0" presId="urn:microsoft.com/office/officeart/2018/5/layout/CenteredIconLabelDescriptionList"/>
@@ -2445,9 +2491,10 @@
             <a:defRPr b="1"/>
           </a:pPr>
           <a:r>
-            <a:rPr lang="en-US" dirty="0"/>
-            <a:t>Dictionaries</a:t>
+            <a:rPr lang="en-US" dirty="0" err="1"/>
+            <a:t>Dicionários</a:t>
           </a:r>
+          <a:endParaRPr lang="en-US" dirty="0"/>
         </a:p>
       </dgm:t>
     </dgm:pt>
@@ -2487,18 +2534,15 @@
           </a:pPr>
           <a:r>
             <a:rPr lang="en-US" dirty="0"/>
-            <a:t>Key/Value pairs</a:t>
+            <a:t>Pares </a:t>
           </a:r>
-        </a:p>
-        <a:p>
-          <a:pPr>
-            <a:lnSpc>
-              <a:spcPct val="100000"/>
-            </a:lnSpc>
-          </a:pPr>
+          <a:r>
+            <a:rPr lang="en-US" dirty="0" err="1"/>
+            <a:t>chave</a:t>
+          </a:r>
           <a:r>
             <a:rPr lang="en-US" dirty="0"/>
-            <a:t>Storage order not guaranteed</a:t>
+            <a:t> / valor</a:t>
           </a:r>
         </a:p>
       </dgm:t>
@@ -2539,9 +2583,10 @@
             <a:defRPr b="1"/>
           </a:pPr>
           <a:r>
-            <a:rPr lang="en-US"/>
-            <a:t>Lists</a:t>
+            <a:rPr lang="en-US" dirty="0" err="1"/>
+            <a:t>Listas</a:t>
           </a:r>
+          <a:endParaRPr lang="en-US" dirty="0"/>
         </a:p>
       </dgm:t>
     </dgm:pt>
@@ -2580,25 +2625,21 @@
             </a:lnSpc>
           </a:pPr>
           <a:r>
-            <a:rPr lang="en-US" dirty="0"/>
-            <a:t>Zero-based index</a:t>
+            <a:rPr lang="en-US" dirty="0" err="1"/>
+            <a:t>Índice</a:t>
           </a:r>
-        </a:p>
-        <a:p>
-          <a:pPr>
-            <a:lnSpc>
-              <a:spcPct val="100000"/>
-            </a:lnSpc>
-          </a:pPr>
           <a:r>
             <a:rPr lang="en-US" dirty="0"/>
-            <a:t>Storage </a:t>
+            <a:t> </a:t>
           </a:r>
           <a:r>
-            <a:rPr lang="en-US"/>
-            <a:t>order guaranteed</a:t>
+            <a:rPr lang="en-US" dirty="0" err="1"/>
+            <a:t>baseado</a:t>
           </a:r>
-          <a:endParaRPr lang="en-US" dirty="0"/>
+          <a:r>
+            <a:rPr lang="en-US" dirty="0"/>
+            <a:t> em zero</a:t>
+          </a:r>
         </a:p>
       </dgm:t>
     </dgm:pt>
@@ -2614,6 +2655,89 @@
       </dgm:t>
     </dgm:pt>
     <dgm:pt modelId="{ED986919-038D-4948-9416-1505F3976635}" type="sibTrans" cxnId="{5A8ADE04-725E-491B-868F-8B5D81317DB7}">
+      <dgm:prSet/>
+      <dgm:spPr/>
+      <dgm:t>
+        <a:bodyPr/>
+        <a:lstStyle/>
+        <a:p>
+          <a:endParaRPr lang="en-US"/>
+        </a:p>
+      </dgm:t>
+    </dgm:pt>
+    <dgm:pt modelId="{A7BDB8F0-8802-4180-9573-BA9BC6B07455}">
+      <dgm:prSet/>
+      <dgm:spPr/>
+      <dgm:t>
+        <a:bodyPr/>
+        <a:lstStyle/>
+        <a:p>
+          <a:pPr>
+            <a:lnSpc>
+              <a:spcPct val="100000"/>
+            </a:lnSpc>
+          </a:pPr>
+          <a:r>
+            <a:rPr lang="pt-BR" dirty="0"/>
+            <a:t>Ordem de armazenamento não garantida</a:t>
+          </a:r>
+          <a:endParaRPr lang="en-US" dirty="0"/>
+        </a:p>
+      </dgm:t>
+    </dgm:pt>
+    <dgm:pt modelId="{48ACA158-F898-4E18-9BA8-165B95DF83EA}" type="parTrans" cxnId="{FC3D094E-F32E-4E04-B88E-F168E8C9BC73}">
+      <dgm:prSet/>
+      <dgm:spPr/>
+      <dgm:t>
+        <a:bodyPr/>
+        <a:lstStyle/>
+        <a:p>
+          <a:endParaRPr lang="en-US"/>
+        </a:p>
+      </dgm:t>
+    </dgm:pt>
+    <dgm:pt modelId="{19548250-A5DC-46B0-957C-52CE1CA1E3A8}" type="sibTrans" cxnId="{FC3D094E-F32E-4E04-B88E-F168E8C9BC73}">
+      <dgm:prSet/>
+      <dgm:spPr/>
+      <dgm:t>
+        <a:bodyPr/>
+        <a:lstStyle/>
+        <a:p>
+          <a:endParaRPr lang="en-US"/>
+        </a:p>
+      </dgm:t>
+    </dgm:pt>
+    <dgm:pt modelId="{F8476A2E-963D-4444-9B42-5A33F14F3DE0}">
+      <dgm:prSet/>
+      <dgm:spPr/>
+      <dgm:t>
+        <a:bodyPr/>
+        <a:lstStyle/>
+        <a:p>
+          <a:pPr>
+            <a:lnSpc>
+              <a:spcPct val="100000"/>
+            </a:lnSpc>
+          </a:pPr>
+          <a:r>
+            <a:rPr lang="en-US" dirty="0"/>
+            <a:t>Ordem de armazenamento garantida</a:t>
+          </a:r>
+        </a:p>
+      </dgm:t>
+    </dgm:pt>
+    <dgm:pt modelId="{AB907825-292D-4351-ABA9-70676A9A4ACD}" type="parTrans" cxnId="{00AC2D72-9FB3-40EF-BBC8-807D32BE0C46}">
+      <dgm:prSet/>
+      <dgm:spPr/>
+      <dgm:t>
+        <a:bodyPr/>
+        <a:lstStyle/>
+        <a:p>
+          <a:endParaRPr lang="en-US"/>
+        </a:p>
+      </dgm:t>
+    </dgm:pt>
+    <dgm:pt modelId="{928DF438-E44B-4A43-9259-F88AC074DBAA}" type="sibTrans" cxnId="{00AC2D72-9FB3-40EF-BBC8-807D32BE0C46}">
       <dgm:prSet/>
       <dgm:spPr/>
       <dgm:t>
@@ -2748,10 +2872,14 @@
   </dgm:ptLst>
   <dgm:cxnLst>
     <dgm:cxn modelId="{5A8ADE04-725E-491B-868F-8B5D81317DB7}" srcId="{E776B6C1-7984-4BE9-8341-BEA397EC2135}" destId="{EB446E3B-5008-4848-9715-B4D3AB93B3AC}" srcOrd="0" destOrd="0" parTransId="{9F5A5F74-974F-491A-9169-933BDAC049DE}" sibTransId="{ED986919-038D-4948-9416-1505F3976635}"/>
+    <dgm:cxn modelId="{4EC01605-7E20-4978-A144-69A17475C3DE}" type="presOf" srcId="{A7BDB8F0-8802-4180-9573-BA9BC6B07455}" destId="{58C4FB18-16DD-4610-88AB-DC0E59C393AE}" srcOrd="0" destOrd="1" presId="urn:microsoft.com/office/officeart/2018/5/layout/CenteredIconLabelDescriptionList"/>
     <dgm:cxn modelId="{D609F908-09A3-43D0-BE3B-4F76C5F30104}" type="presOf" srcId="{8875FE75-AF11-4624-9C9C-DE8BC7ABF876}" destId="{58C4FB18-16DD-4610-88AB-DC0E59C393AE}" srcOrd="0" destOrd="0" presId="urn:microsoft.com/office/officeart/2018/5/layout/CenteredIconLabelDescriptionList"/>
     <dgm:cxn modelId="{EBE4170C-EF5C-489A-90C6-4DC2233F4AE1}" type="presOf" srcId="{E776B6C1-7984-4BE9-8341-BEA397EC2135}" destId="{7EDAE483-08ED-4750-A737-1A112F59FBE5}" srcOrd="0" destOrd="0" presId="urn:microsoft.com/office/officeart/2018/5/layout/CenteredIconLabelDescriptionList"/>
     <dgm:cxn modelId="{93032913-FFD3-47DF-A19E-23FC05B90905}" type="presOf" srcId="{EB446E3B-5008-4848-9715-B4D3AB93B3AC}" destId="{53B8037F-B1C4-468E-AE57-1DD605111B33}" srcOrd="0" destOrd="0" presId="urn:microsoft.com/office/officeart/2018/5/layout/CenteredIconLabelDescriptionList"/>
+    <dgm:cxn modelId="{FC3D094E-F32E-4E04-B88E-F168E8C9BC73}" srcId="{DB7BAF7D-2462-4A38-9FB7-2F6BB00C9F30}" destId="{A7BDB8F0-8802-4180-9573-BA9BC6B07455}" srcOrd="1" destOrd="0" parTransId="{48ACA158-F898-4E18-9BA8-165B95DF83EA}" sibTransId="{19548250-A5DC-46B0-957C-52CE1CA1E3A8}"/>
     <dgm:cxn modelId="{EA078170-A1B1-404B-A4A8-98786D832815}" type="presOf" srcId="{C888DEDA-44CB-4896-8E8B-C32909395336}" destId="{2C788FFE-0586-4CB4-9465-6CE28C1366C8}" srcOrd="0" destOrd="0" presId="urn:microsoft.com/office/officeart/2018/5/layout/CenteredIconLabelDescriptionList"/>
+    <dgm:cxn modelId="{00AC2D72-9FB3-40EF-BBC8-807D32BE0C46}" srcId="{E776B6C1-7984-4BE9-8341-BEA397EC2135}" destId="{F8476A2E-963D-4444-9B42-5A33F14F3DE0}" srcOrd="1" destOrd="0" parTransId="{AB907825-292D-4351-ABA9-70676A9A4ACD}" sibTransId="{928DF438-E44B-4A43-9259-F88AC074DBAA}"/>
+    <dgm:cxn modelId="{495AD08C-5233-4535-8515-37637880F7B2}" type="presOf" srcId="{F8476A2E-963D-4444-9B42-5A33F14F3DE0}" destId="{53B8037F-B1C4-468E-AE57-1DD605111B33}" srcOrd="0" destOrd="1" presId="urn:microsoft.com/office/officeart/2018/5/layout/CenteredIconLabelDescriptionList"/>
     <dgm:cxn modelId="{172D9CB6-A2D1-47E8-8FFC-2D063309CB78}" srcId="{DB7BAF7D-2462-4A38-9FB7-2F6BB00C9F30}" destId="{8875FE75-AF11-4624-9C9C-DE8BC7ABF876}" srcOrd="0" destOrd="0" parTransId="{D11195EA-D7FE-40A0-A2FA-5E425F2D8C58}" sibTransId="{3E666A5C-0622-497D-9EA7-F6F2A6F3FE92}"/>
     <dgm:cxn modelId="{224233BC-F343-4D9A-9B5C-5BB755093DBB}" type="presOf" srcId="{DB7BAF7D-2462-4A38-9FB7-2F6BB00C9F30}" destId="{CC936FBB-444B-4DD4-962A-2CD45A833D72}" srcOrd="0" destOrd="0" presId="urn:microsoft.com/office/officeart/2018/5/layout/CenteredIconLabelDescriptionList"/>
     <dgm:cxn modelId="{AA3173D1-0BB4-496B-A991-7E2F967CADE2}" srcId="{C888DEDA-44CB-4896-8E8B-C32909395336}" destId="{DB7BAF7D-2462-4A38-9FB7-2F6BB00C9F30}" srcOrd="0" destOrd="0" parTransId="{FE673134-64F8-4B65-93F7-E9D0285E061B}" sibTransId="{1D5347D9-092E-40F3-91F6-A64A90191D6B}"/>
@@ -2795,7 +2923,7 @@
       </dsp:nvSpPr>
       <dsp:spPr>
         <a:xfrm>
-          <a:off x="2069230" y="728969"/>
+          <a:off x="2069230" y="699715"/>
           <a:ext cx="1512000" cy="1512000"/>
         </a:xfrm>
         <a:prstGeom prst="rect">
@@ -2844,7 +2972,7 @@
       </dsp:nvSpPr>
       <dsp:spPr>
         <a:xfrm>
-          <a:off x="665230" y="2369110"/>
+          <a:off x="665230" y="2342372"/>
           <a:ext cx="4320000" cy="648000"/>
         </a:xfrm>
         <a:prstGeom prst="rect">
@@ -2876,7 +3004,7 @@
         <a:p>
           <a:pPr marL="0" lvl="0" indent="0" algn="ctr" defTabSz="1600200">
             <a:lnSpc>
-              <a:spcPct val="90000"/>
+              <a:spcPct val="100000"/>
             </a:lnSpc>
             <a:spcBef>
               <a:spcPct val="0"/>
@@ -2894,7 +3022,7 @@
         </a:p>
       </dsp:txBody>
       <dsp:txXfrm>
-        <a:off x="665230" y="2369110"/>
+        <a:off x="665230" y="2342372"/>
         <a:ext cx="4320000" cy="648000"/>
       </dsp:txXfrm>
     </dsp:sp>
@@ -2905,8 +3033,8 @@
       </dsp:nvSpPr>
       <dsp:spPr>
         <a:xfrm>
-          <a:off x="665230" y="3076711"/>
-          <a:ext cx="4320000" cy="632280"/>
+          <a:off x="665230" y="3051143"/>
+          <a:ext cx="4320000" cy="687103"/>
         </a:xfrm>
         <a:prstGeom prst="rect">
           <a:avLst/>
@@ -2930,14 +3058,14 @@
         <a:fontRef idx="minor"/>
       </dsp:style>
       <dsp:txBody>
-        <a:bodyPr spcFirstLastPara="0" vert="horz" wrap="square" lIns="0" tIns="0" rIns="0" bIns="0" numCol="1" spcCol="1270" anchor="t" anchorCtr="0">
+        <a:bodyPr spcFirstLastPara="0" vert="horz" wrap="square" lIns="0" tIns="0" rIns="0" bIns="0" numCol="1" spcCol="1270" anchor="ctr" anchorCtr="0">
           <a:noAutofit/>
         </a:bodyPr>
         <a:lstStyle/>
         <a:p>
           <a:pPr marL="0" lvl="0" indent="0" algn="ctr" defTabSz="755650">
             <a:lnSpc>
-              <a:spcPct val="90000"/>
+              <a:spcPct val="100000"/>
             </a:lnSpc>
             <a:spcBef>
               <a:spcPct val="0"/>
@@ -2948,14 +3076,31 @@
             <a:buNone/>
           </a:pPr>
           <a:r>
-            <a:rPr lang="en-US" sz="1700" kern="1200"/>
-            <a:t>Simple types such as numbers</a:t>
+            <a:rPr lang="en-US" sz="1700" kern="1200" dirty="0" err="1"/>
+            <a:t>Tipos</a:t>
           </a:r>
+          <a:r>
+            <a:rPr lang="en-US" sz="1700" kern="1200" dirty="0"/>
+            <a:t> simples, </a:t>
+          </a:r>
+          <a:r>
+            <a:rPr lang="en-US" sz="1700" kern="1200" dirty="0" err="1"/>
+            <a:t>como</a:t>
+          </a:r>
+          <a:r>
+            <a:rPr lang="en-US" sz="1700" kern="1200" dirty="0"/>
+            <a:t> </a:t>
+          </a:r>
+          <a:r>
+            <a:rPr lang="en-US" sz="1700" kern="1200" dirty="0" err="1"/>
+            <a:t>números</a:t>
+          </a:r>
+          <a:endParaRPr lang="en-US" sz="1700" kern="1200" dirty="0"/>
         </a:p>
         <a:p>
           <a:pPr marL="0" lvl="0" indent="0" algn="ctr" defTabSz="755650">
             <a:lnSpc>
-              <a:spcPct val="90000"/>
+              <a:spcPct val="100000"/>
             </a:lnSpc>
             <a:spcBef>
               <a:spcPct val="0"/>
@@ -2966,14 +3111,15 @@
             <a:buNone/>
           </a:pPr>
           <a:r>
-            <a:rPr lang="en-US" sz="1700" kern="1200"/>
-            <a:t>Must all be the same type</a:t>
+            <a:rPr lang="pt-BR" sz="1700" kern="1200" dirty="0"/>
+            <a:t>Todos devem ser do mesmo tipo</a:t>
           </a:r>
+          <a:endParaRPr lang="en-US" sz="1700" kern="1200" dirty="0"/>
         </a:p>
       </dsp:txBody>
       <dsp:txXfrm>
-        <a:off x="665230" y="3076711"/>
-        <a:ext cx="4320000" cy="632280"/>
+        <a:off x="665230" y="3051143"/>
+        <a:ext cx="4320000" cy="687103"/>
       </dsp:txXfrm>
     </dsp:sp>
     <dsp:sp modelId="{6288A7C3-F695-4B88-99CC-0AC7ED4CAC39}">
@@ -2983,7 +3129,7 @@
       </dsp:nvSpPr>
       <dsp:spPr>
         <a:xfrm>
-          <a:off x="7145230" y="728969"/>
+          <a:off x="7145230" y="699715"/>
           <a:ext cx="1512000" cy="1512000"/>
         </a:xfrm>
         <a:prstGeom prst="rect">
@@ -3032,7 +3178,7 @@
       </dsp:nvSpPr>
       <dsp:spPr>
         <a:xfrm>
-          <a:off x="5741230" y="2369110"/>
+          <a:off x="5741230" y="2342372"/>
           <a:ext cx="4320000" cy="648000"/>
         </a:xfrm>
         <a:prstGeom prst="rect">
@@ -3064,7 +3210,7 @@
         <a:p>
           <a:pPr marL="0" lvl="0" indent="0" algn="ctr" defTabSz="1600200">
             <a:lnSpc>
-              <a:spcPct val="90000"/>
+              <a:spcPct val="100000"/>
             </a:lnSpc>
             <a:spcBef>
               <a:spcPct val="0"/>
@@ -3076,13 +3222,14 @@
             <a:defRPr b="1"/>
           </a:pPr>
           <a:r>
-            <a:rPr lang="en-US" sz="3600" kern="1200"/>
-            <a:t>Lists</a:t>
+            <a:rPr lang="en-US" sz="3600" kern="1200" dirty="0" err="1"/>
+            <a:t>Listas</a:t>
           </a:r>
+          <a:endParaRPr lang="en-US" sz="3600" kern="1200" dirty="0"/>
         </a:p>
       </dsp:txBody>
       <dsp:txXfrm>
-        <a:off x="5741230" y="2369110"/>
+        <a:off x="5741230" y="2342372"/>
         <a:ext cx="4320000" cy="648000"/>
       </dsp:txXfrm>
     </dsp:sp>
@@ -3093,8 +3240,8 @@
       </dsp:nvSpPr>
       <dsp:spPr>
         <a:xfrm>
-          <a:off x="5741230" y="3076711"/>
-          <a:ext cx="4320000" cy="632280"/>
+          <a:off x="5741230" y="3051143"/>
+          <a:ext cx="4320000" cy="687103"/>
         </a:xfrm>
         <a:prstGeom prst="rect">
           <a:avLst/>
@@ -3125,7 +3272,7 @@
         <a:p>
           <a:pPr marL="0" lvl="0" indent="0" algn="ctr" defTabSz="755650">
             <a:lnSpc>
-              <a:spcPct val="90000"/>
+              <a:spcPct val="100000"/>
             </a:lnSpc>
             <a:spcBef>
               <a:spcPct val="0"/>
@@ -3137,13 +3284,14 @@
           </a:pPr>
           <a:r>
             <a:rPr lang="en-US" sz="1700" kern="1200"/>
-            <a:t>Store anything</a:t>
+            <a:t>Armazene qualquer coisa</a:t>
           </a:r>
+          <a:endParaRPr lang="en-US" sz="1700" kern="1200" dirty="0"/>
         </a:p>
         <a:p>
           <a:pPr marL="0" lvl="0" indent="0" algn="ctr" defTabSz="755650">
             <a:lnSpc>
-              <a:spcPct val="90000"/>
+              <a:spcPct val="100000"/>
             </a:lnSpc>
             <a:spcBef>
               <a:spcPct val="0"/>
@@ -3154,14 +3302,14 @@
             <a:buNone/>
           </a:pPr>
           <a:r>
-            <a:rPr lang="en-US" sz="1700" kern="1200"/>
-            <a:t>Store any type</a:t>
+            <a:rPr lang="en-US" sz="1700" kern="1200" dirty="0"/>
+            <a:t>Armazene qualquer tipo</a:t>
           </a:r>
         </a:p>
       </dsp:txBody>
       <dsp:txXfrm>
-        <a:off x="5741230" y="3076711"/>
-        <a:ext cx="4320000" cy="632280"/>
+        <a:off x="5741230" y="3051143"/>
+        <a:ext cx="4320000" cy="687103"/>
       </dsp:txXfrm>
     </dsp:sp>
   </dsp:spTree>
@@ -3274,9 +3422,10 @@
             <a:defRPr b="1"/>
           </a:pPr>
           <a:r>
-            <a:rPr lang="en-US" sz="3600" kern="1200" dirty="0"/>
-            <a:t>Dictionaries</a:t>
+            <a:rPr lang="en-US" sz="3600" kern="1200" dirty="0" err="1"/>
+            <a:t>Dicionários</a:t>
           </a:r>
+          <a:endParaRPr lang="en-US" sz="3600" kern="1200" dirty="0"/>
         </a:p>
       </dsp:txBody>
       <dsp:txXfrm>
@@ -3335,7 +3484,15 @@
           </a:pPr>
           <a:r>
             <a:rPr lang="en-US" sz="1700" kern="1200" dirty="0"/>
-            <a:t>Key/Value pairs</a:t>
+            <a:t>Pares </a:t>
+          </a:r>
+          <a:r>
+            <a:rPr lang="en-US" sz="1700" kern="1200" dirty="0" err="1"/>
+            <a:t>chave</a:t>
+          </a:r>
+          <a:r>
+            <a:rPr lang="en-US" sz="1700" kern="1200" dirty="0"/>
+            <a:t> / valor</a:t>
           </a:r>
         </a:p>
         <a:p>
@@ -3352,9 +3509,10 @@
             <a:buNone/>
           </a:pPr>
           <a:r>
-            <a:rPr lang="en-US" sz="1700" kern="1200" dirty="0"/>
-            <a:t>Storage order not guaranteed</a:t>
+            <a:rPr lang="pt-BR" sz="1700" kern="1200" dirty="0"/>
+            <a:t>Ordem de armazenamento não garantida</a:t>
           </a:r>
+          <a:endParaRPr lang="en-US" sz="1700" kern="1200" dirty="0"/>
         </a:p>
       </dsp:txBody>
       <dsp:txXfrm>
@@ -3462,9 +3620,10 @@
             <a:defRPr b="1"/>
           </a:pPr>
           <a:r>
-            <a:rPr lang="en-US" sz="3600" kern="1200"/>
-            <a:t>Lists</a:t>
+            <a:rPr lang="en-US" sz="3600" kern="1200" dirty="0" err="1"/>
+            <a:t>Listas</a:t>
           </a:r>
+          <a:endParaRPr lang="en-US" sz="3600" kern="1200" dirty="0"/>
         </a:p>
       </dsp:txBody>
       <dsp:txXfrm>
@@ -3522,8 +3681,20 @@
             <a:buNone/>
           </a:pPr>
           <a:r>
+            <a:rPr lang="en-US" sz="1700" kern="1200" dirty="0" err="1"/>
+            <a:t>Índice</a:t>
+          </a:r>
+          <a:r>
             <a:rPr lang="en-US" sz="1700" kern="1200" dirty="0"/>
-            <a:t>Zero-based index</a:t>
+            <a:t> </a:t>
+          </a:r>
+          <a:r>
+            <a:rPr lang="en-US" sz="1700" kern="1200" dirty="0" err="1"/>
+            <a:t>baseado</a:t>
+          </a:r>
+          <a:r>
+            <a:rPr lang="en-US" sz="1700" kern="1200" dirty="0"/>
+            <a:t> em zero</a:t>
           </a:r>
         </a:p>
         <a:p>
@@ -3541,13 +3712,8 @@
           </a:pPr>
           <a:r>
             <a:rPr lang="en-US" sz="1700" kern="1200" dirty="0"/>
-            <a:t>Storage </a:t>
+            <a:t>Ordem de armazenamento garantida</a:t>
           </a:r>
-          <a:r>
-            <a:rPr lang="en-US" sz="1700" kern="1200"/>
-            <a:t>order guaranteed</a:t>
-          </a:r>
-          <a:endParaRPr lang="en-US" sz="1700" kern="1200" dirty="0"/>
         </a:p>
       </dsp:txBody>
       <dsp:txXfrm>
@@ -6115,7 +6281,7 @@
               <a:rPr lang="en-US" smtClean="0">
                 <a:latin typeface="Segoe UI" pitchFamily="34" charset="0"/>
               </a:rPr>
-              <a:t>6/9/2019 5:08 PM</a:t>
+              <a:t>7/17/2020 8:34 PM</a:t>
             </a:fld>
             <a:endParaRPr lang="en-US" dirty="0">
               <a:latin typeface="Segoe UI" pitchFamily="34" charset="0"/>
@@ -6393,7 +6559,7 @@
           <a:p>
             <a:fld id="{38EEC551-8CDA-4EB6-89BB-2A86C9F091C8}" type="datetime8">
               <a:rPr lang="en-US" smtClean="0"/>
-              <a:t>6/9/2019 5:07 PM</a:t>
+              <a:t>7/17/2020 8:34 PM</a:t>
             </a:fld>
             <a:endParaRPr lang="en-US" dirty="0"/>
           </a:p>
@@ -6727,7 +6893,7 @@
           <a:p>
             <a:fld id="{6108602D-D426-4C00-B215-BFA18C076426}" type="datetime8">
               <a:rPr lang="en-US" smtClean="0"/>
-              <a:t>6/9/2019 5:07 PM</a:t>
+              <a:t>7/17/2020 8:36 PM</a:t>
             </a:fld>
             <a:endParaRPr lang="en-US" dirty="0"/>
           </a:p>
@@ -6892,7 +7058,7 @@
           <a:p>
             <a:fld id="{6108602D-D426-4C00-B215-BFA18C076426}" type="datetime8">
               <a:rPr lang="en-US" smtClean="0"/>
-              <a:t>6/9/2019 5:07 PM</a:t>
+              <a:t>7/17/2020 8:40 PM</a:t>
             </a:fld>
             <a:endParaRPr lang="en-US" dirty="0"/>
           </a:p>
@@ -7057,7 +7223,7 @@
           <a:p>
             <a:fld id="{6108602D-D426-4C00-B215-BFA18C076426}" type="datetime8">
               <a:rPr lang="en-US" smtClean="0"/>
-              <a:t>6/9/2019 5:08 PM</a:t>
+              <a:t>7/17/2020 8:48 PM</a:t>
             </a:fld>
             <a:endParaRPr lang="en-US" dirty="0"/>
           </a:p>
@@ -7222,7 +7388,7 @@
           <a:p>
             <a:fld id="{6108602D-D426-4C00-B215-BFA18C076426}" type="datetime8">
               <a:rPr lang="en-US" smtClean="0"/>
-              <a:t>6/9/2019 5:07 PM</a:t>
+              <a:t>7/17/2020 8:49 PM</a:t>
             </a:fld>
             <a:endParaRPr lang="en-US" dirty="0"/>
           </a:p>
@@ -45527,6 +45693,37 @@
               </a:rPr>
               <a:t>Collections</a:t>
             </a:r>
+            <a:br>
+              <a:rPr lang="en-US" dirty="0">
+                <a:solidFill>
+                  <a:schemeClr val="bg1"/>
+                </a:solidFill>
+              </a:rPr>
+            </a:br>
+            <a:r>
+              <a:rPr lang="en-US" dirty="0">
+                <a:solidFill>
+                  <a:schemeClr val="bg1"/>
+                </a:solidFill>
+              </a:rPr>
+              <a:t>(</a:t>
+            </a:r>
+            <a:r>
+              <a:rPr lang="en-US" dirty="0" err="1">
+                <a:solidFill>
+                  <a:schemeClr val="bg1"/>
+                </a:solidFill>
+              </a:rPr>
+              <a:t>Coleções</a:t>
+            </a:r>
+            <a:r>
+              <a:rPr lang="en-US" dirty="0">
+                <a:solidFill>
+                  <a:schemeClr val="bg1"/>
+                </a:solidFill>
+              </a:rPr>
+              <a:t>)</a:t>
+            </a:r>
           </a:p>
         </p:txBody>
       </p:sp>
@@ -45588,9 +45785,10 @@
           <a:lstStyle/>
           <a:p>
             <a:r>
-              <a:rPr lang="en-US" b="1" dirty="0"/>
-              <a:t>Lists are collections of items</a:t>
+              <a:rPr lang="pt-BR" b="1" dirty="0"/>
+              <a:t>Listas são coleções de itens</a:t>
             </a:r>
+            <a:endParaRPr lang="en-US" b="1" dirty="0"/>
           </a:p>
         </p:txBody>
       </p:sp>
@@ -45624,7 +45822,7 @@
                   <a:srgbClr val="C00000"/>
                 </a:solidFill>
               </a:rPr>
-              <a:t>'Christopher'</a:t>
+              <a:t>'Cynthia'</a:t>
             </a:r>
             <a:r>
               <a:rPr lang="en-CA" dirty="0"/>
@@ -45636,7 +45834,7 @@
                   <a:srgbClr val="C00000"/>
                 </a:solidFill>
               </a:rPr>
-              <a:t>'Susan'</a:t>
+              <a:t>'Gustavo'</a:t>
             </a:r>
             <a:r>
               <a:rPr lang="en-CA" dirty="0"/>
@@ -45666,8 +45864,25 @@
                   </a:schemeClr>
                 </a:solidFill>
               </a:rPr>
-              <a:t># Add new item to the end</a:t>
+              <a:t># </a:t>
             </a:r>
+            <a:r>
+              <a:rPr lang="pt-BR" dirty="0">
+                <a:solidFill>
+                  <a:schemeClr val="tx2">
+                    <a:lumMod val="75000"/>
+                  </a:schemeClr>
+                </a:solidFill>
+              </a:rPr>
+              <a:t>Adicionar novo item ao final</a:t>
+            </a:r>
+            <a:endParaRPr lang="en-CA" dirty="0">
+              <a:solidFill>
+                <a:schemeClr val="tx2">
+                  <a:lumMod val="75000"/>
+                </a:schemeClr>
+              </a:solidFill>
+            </a:endParaRPr>
           </a:p>
           <a:p>
             <a:r>
@@ -45704,8 +45919,25 @@
                   </a:schemeClr>
                 </a:solidFill>
               </a:rPr>
-              <a:t># Collections are zero-indexed</a:t>
+              <a:t># </a:t>
             </a:r>
+            <a:r>
+              <a:rPr lang="pt-BR" dirty="0">
+                <a:solidFill>
+                  <a:schemeClr val="tx2">
+                    <a:lumMod val="75000"/>
+                  </a:schemeClr>
+                </a:solidFill>
+              </a:rPr>
+              <a:t>As coleções são indexadas a zero</a:t>
+            </a:r>
+            <a:endParaRPr lang="en-CA" dirty="0">
+              <a:solidFill>
+                <a:schemeClr val="tx2">
+                  <a:lumMod val="75000"/>
+                </a:schemeClr>
+              </a:solidFill>
+            </a:endParaRPr>
           </a:p>
         </p:txBody>
       </p:sp>
@@ -45968,7 +46200,7 @@
                   <a:schemeClr val="bg1"/>
                 </a:solidFill>
               </a:rPr>
-              <a:t>['Christopher', 'Susan']</a:t>
+              <a:t>['Cynthia', 'Gustavo']</a:t>
             </a:r>
           </a:p>
           <a:p>
@@ -46137,8 +46369,13 @@
           <a:p>
             <a:r>
               <a:rPr lang="en-US" b="1" dirty="0"/>
-              <a:t>Arrays are also collections of items</a:t>
+              <a:t>Arrays </a:t>
             </a:r>
+            <a:r>
+              <a:rPr lang="pt-BR" b="1" dirty="0"/>
+              <a:t>também são coleções de itens</a:t>
+            </a:r>
+            <a:endParaRPr lang="en-US" b="1" dirty="0"/>
           </a:p>
         </p:txBody>
       </p:sp>
@@ -46649,16 +46886,43 @@
           <a:p>
             <a:pPr defTabSz="914400"/>
             <a:r>
-              <a:rPr lang="en-US" sz="4400" kern="1200">
+              <a:rPr lang="en-US" sz="4400" dirty="0">
                 <a:solidFill>
                   <a:schemeClr val="tx1"/>
                 </a:solidFill>
-                <a:latin typeface="+mj-lt"/>
                 <a:ea typeface="+mj-ea"/>
                 <a:cs typeface="+mj-cs"/>
               </a:rPr>
-              <a:t>What's the difference?</a:t>
+              <a:t>Qual é a </a:t>
             </a:r>
+            <a:r>
+              <a:rPr lang="en-US" sz="4400" dirty="0" err="1">
+                <a:solidFill>
+                  <a:schemeClr val="tx1"/>
+                </a:solidFill>
+                <a:ea typeface="+mj-ea"/>
+                <a:cs typeface="+mj-cs"/>
+              </a:rPr>
+              <a:t>diferença</a:t>
+            </a:r>
+            <a:r>
+              <a:rPr lang="en-US" sz="4400" dirty="0">
+                <a:solidFill>
+                  <a:schemeClr val="tx1"/>
+                </a:solidFill>
+                <a:ea typeface="+mj-ea"/>
+                <a:cs typeface="+mj-cs"/>
+              </a:rPr>
+              <a:t>?</a:t>
+            </a:r>
+            <a:endParaRPr lang="en-US" sz="4400" kern="1200" dirty="0">
+              <a:solidFill>
+                <a:schemeClr val="tx1"/>
+              </a:solidFill>
+              <a:latin typeface="+mj-lt"/>
+              <a:ea typeface="+mj-ea"/>
+              <a:cs typeface="+mj-cs"/>
+            </a:endParaRPr>
           </a:p>
         </p:txBody>
       </p:sp>
@@ -46675,7 +46939,7 @@
           <p:nvPr>
             <p:extLst>
               <p:ext uri="{D42A27DB-BD31-4B8C-83A1-F6EECF244321}">
-                <p14:modId xmlns:p14="http://schemas.microsoft.com/office/powerpoint/2010/main" val="3140233524"/>
+                <p14:modId xmlns:p14="http://schemas.microsoft.com/office/powerpoint/2010/main" val="2128755630"/>
               </p:ext>
             </p:extLst>
           </p:nvPr>
@@ -46739,9 +47003,18 @@
           <a:lstStyle/>
           <a:p>
             <a:r>
+              <a:rPr lang="en-US" b="1" dirty="0" err="1"/>
+              <a:t>Operações</a:t>
+            </a:r>
+            <a:r>
               <a:rPr lang="en-US" b="1" dirty="0"/>
-              <a:t>Common operations</a:t>
+              <a:t> </a:t>
             </a:r>
+            <a:r>
+              <a:rPr lang="en-US" b="1" dirty="0" err="1"/>
+              <a:t>comuns</a:t>
+            </a:r>
+            <a:endParaRPr lang="en-US" b="1" dirty="0"/>
           </a:p>
         </p:txBody>
       </p:sp>
@@ -46775,7 +47048,7 @@
                   <a:srgbClr val="C00000"/>
                 </a:solidFill>
               </a:rPr>
-              <a:t>'Susan'</a:t>
+              <a:t>'Cynthia'</a:t>
             </a:r>
             <a:r>
               <a:rPr lang="en-CA" dirty="0"/>
@@ -46787,7 +47060,7 @@
                   <a:srgbClr val="C00000"/>
                 </a:solidFill>
               </a:rPr>
-              <a:t>'Christopher'</a:t>
+              <a:t>'Gustavo'</a:t>
             </a:r>
             <a:r>
               <a:rPr lang="en-CA" dirty="0"/>
@@ -46815,8 +47088,25 @@
                   </a:schemeClr>
                 </a:solidFill>
               </a:rPr>
-              <a:t># Get the number of items</a:t>
+              <a:t># </a:t>
             </a:r>
+            <a:r>
+              <a:rPr lang="pt-BR" dirty="0">
+                <a:solidFill>
+                  <a:schemeClr val="tx2">
+                    <a:lumMod val="75000"/>
+                  </a:schemeClr>
+                </a:solidFill>
+              </a:rPr>
+              <a:t>Obter o número de itens</a:t>
+            </a:r>
+            <a:endParaRPr lang="en-CA" dirty="0">
+              <a:solidFill>
+                <a:schemeClr val="tx2">
+                  <a:lumMod val="75000"/>
+                </a:schemeClr>
+              </a:solidFill>
+            </a:endParaRPr>
           </a:p>
           <a:p>
             <a:r>
@@ -46847,8 +47137,45 @@
                   </a:schemeClr>
                 </a:solidFill>
               </a:rPr>
-              <a:t># Insert before index</a:t>
+              <a:t># </a:t>
             </a:r>
+            <a:r>
+              <a:rPr lang="en-CA" dirty="0" err="1">
+                <a:solidFill>
+                  <a:schemeClr val="tx2">
+                    <a:lumMod val="75000"/>
+                  </a:schemeClr>
+                </a:solidFill>
+              </a:rPr>
+              <a:t>Inserir</a:t>
+            </a:r>
+            <a:r>
+              <a:rPr lang="en-CA" dirty="0">
+                <a:solidFill>
+                  <a:schemeClr val="tx2">
+                    <a:lumMod val="75000"/>
+                  </a:schemeClr>
+                </a:solidFill>
+              </a:rPr>
+              <a:t> antes do </a:t>
+            </a:r>
+            <a:r>
+              <a:rPr lang="en-CA" dirty="0" err="1">
+                <a:solidFill>
+                  <a:schemeClr val="tx2">
+                    <a:lumMod val="75000"/>
+                  </a:schemeClr>
+                </a:solidFill>
+              </a:rPr>
+              <a:t>índice</a:t>
+            </a:r>
+            <a:endParaRPr lang="en-CA" dirty="0">
+              <a:solidFill>
+                <a:schemeClr val="tx2">
+                  <a:lumMod val="75000"/>
+                </a:schemeClr>
+              </a:solidFill>
+            </a:endParaRPr>
           </a:p>
           <a:p>
             <a:r>
@@ -47143,7 +47470,7 @@
                   <a:schemeClr val="bg1"/>
                 </a:solidFill>
               </a:rPr>
-              <a:t>['Bill', 'Susan', 'Christopher']</a:t>
+              <a:t>['Bill', 'Cynthia', 'Gustavo']</a:t>
             </a:r>
           </a:p>
           <a:p>
@@ -47153,7 +47480,7 @@
                   <a:schemeClr val="bg1"/>
                 </a:solidFill>
               </a:rPr>
-              <a:t>['Bill', 'Christopher', 'Susan']</a:t>
+              <a:t>['Bill', 'Cynthia', 'Gustavo']</a:t>
             </a:r>
           </a:p>
         </p:txBody>
@@ -47294,9 +47621,18 @@
           <a:lstStyle/>
           <a:p>
             <a:r>
+              <a:rPr lang="en-US" b="1" dirty="0" err="1"/>
+              <a:t>Recuperando</a:t>
+            </a:r>
+            <a:r>
               <a:rPr lang="en-US" b="1" dirty="0"/>
-              <a:t>Retrieving ranges</a:t>
+              <a:t> </a:t>
             </a:r>
+            <a:r>
+              <a:rPr lang="en-US" b="1" dirty="0" err="1"/>
+              <a:t>intervalos</a:t>
+            </a:r>
+            <a:endParaRPr lang="en-US" b="1" dirty="0"/>
           </a:p>
         </p:txBody>
       </p:sp>
@@ -47665,7 +48001,7 @@
                   <a:schemeClr val="bg1"/>
                 </a:solidFill>
               </a:rPr>
-              <a:t>['Susan', 'Christopher', 'Bill']</a:t>
+              <a:t>['Cynthia', 'Gustavo', 'Bill']</a:t>
             </a:r>
           </a:p>
           <a:p>
@@ -47675,7 +48011,7 @@
                   <a:schemeClr val="bg1"/>
                 </a:solidFill>
               </a:rPr>
-              <a:t>['Susan', 'Christopher']</a:t>
+              <a:t>['Cynthia', 'Gustavo']</a:t>
             </a:r>
           </a:p>
         </p:txBody>
@@ -47816,9 +48152,10 @@
           <a:lstStyle/>
           <a:p>
             <a:r>
-              <a:rPr lang="en-US" b="1" dirty="0"/>
-              <a:t>Dictionaries</a:t>
+              <a:rPr lang="en-US" b="1" dirty="0" err="1"/>
+              <a:t>Dicionários</a:t>
             </a:r>
+            <a:endParaRPr lang="en-US" b="1" dirty="0"/>
           </a:p>
         </p:txBody>
       </p:sp>
@@ -47864,7 +48201,7 @@
                   <a:srgbClr val="C00000"/>
                 </a:solidFill>
               </a:rPr>
-              <a:t>'Christopher'</a:t>
+              <a:t>'Cynthia'</a:t>
             </a:r>
             <a:r>
               <a:rPr lang="en-US" dirty="0"/>
@@ -47894,7 +48231,7 @@
                   <a:srgbClr val="C00000"/>
                 </a:solidFill>
               </a:rPr>
-              <a:t>'Harrison'</a:t>
+              <a:t>'Zanoni'</a:t>
             </a:r>
           </a:p>
           <a:p>
@@ -48182,7 +48519,7 @@
                   <a:schemeClr val="bg1"/>
                 </a:solidFill>
               </a:rPr>
-              <a:t>{'first': 'Christopher', 'last': 'Harrison'}</a:t>
+              <a:t>{'first': 'Cynthia', 'last': 'Zanoni'}</a:t>
             </a:r>
           </a:p>
           <a:p>
@@ -48192,9 +48529,8 @@
                   <a:schemeClr val="bg1"/>
                 </a:solidFill>
               </a:rPr>
-              <a:t>Christopher</a:t>
+              <a:t>Cynthia</a:t>
             </a:r>
-            <a:endParaRPr lang="en-CA" dirty="0"/>
           </a:p>
           <a:p>
             <a:endParaRPr lang="en-CA" dirty="0"/>
@@ -48351,16 +48687,43 @@
           <a:p>
             <a:pPr defTabSz="914400"/>
             <a:r>
-              <a:rPr lang="en-US" sz="4400" kern="1200">
+              <a:rPr lang="en-US" sz="4400" dirty="0">
                 <a:solidFill>
                   <a:schemeClr val="tx1"/>
                 </a:solidFill>
-                <a:latin typeface="+mj-lt"/>
                 <a:ea typeface="+mj-ea"/>
                 <a:cs typeface="+mj-cs"/>
               </a:rPr>
-              <a:t>What's the difference?</a:t>
+              <a:t>Qual é a </a:t>
             </a:r>
+            <a:r>
+              <a:rPr lang="en-US" sz="4400" dirty="0" err="1">
+                <a:solidFill>
+                  <a:schemeClr val="tx1"/>
+                </a:solidFill>
+                <a:ea typeface="+mj-ea"/>
+                <a:cs typeface="+mj-cs"/>
+              </a:rPr>
+              <a:t>diferença</a:t>
+            </a:r>
+            <a:r>
+              <a:rPr lang="en-US" sz="4400" dirty="0">
+                <a:solidFill>
+                  <a:schemeClr val="tx1"/>
+                </a:solidFill>
+                <a:ea typeface="+mj-ea"/>
+                <a:cs typeface="+mj-cs"/>
+              </a:rPr>
+              <a:t>?</a:t>
+            </a:r>
+            <a:endParaRPr lang="en-US" sz="4400" kern="1200" dirty="0">
+              <a:solidFill>
+                <a:schemeClr val="tx1"/>
+              </a:solidFill>
+              <a:latin typeface="+mj-lt"/>
+              <a:ea typeface="+mj-ea"/>
+              <a:cs typeface="+mj-cs"/>
+            </a:endParaRPr>
           </a:p>
         </p:txBody>
       </p:sp>
@@ -48377,7 +48740,7 @@
           <p:nvPr>
             <p:extLst>
               <p:ext uri="{D42A27DB-BD31-4B8C-83A1-F6EECF244321}">
-                <p14:modId xmlns:p14="http://schemas.microsoft.com/office/powerpoint/2010/main" val="3778137488"/>
+                <p14:modId xmlns:p14="http://schemas.microsoft.com/office/powerpoint/2010/main" val="2151899604"/>
               </p:ext>
             </p:extLst>
           </p:nvPr>
@@ -49545,55 +49908,91 @@
 
 <file path=customXml/item1.xml><?xml version="1.0" encoding="utf-8"?>
 <Control xmlns="http://schemas.microsoft.com/VisualStudio/2011/storyboarding/control">
-  <Id Name="a53d73d2-368b-429e-b817-1324eec1382c" Revision="1" Stencil="7276b9ef-3953-4dce-a89b-ed85f20b8b93" StencilVersion="1.0"/>
+  <Id Name="a2191c86-fc50-4add-948c-129f6b5a88d8" Revision="1" Stencil="7276b9ef-3953-4dce-a89b-ed85f20b8b93" StencilVersion="1.0"/>
 </Control>
 </file>
 
 <file path=customXml/item10.xml><?xml version="1.0" encoding="utf-8"?>
+<p:properties xmlns:p="http://schemas.microsoft.com/office/2006/metadata/properties" xmlns:xsi="http://www.w3.org/2001/XMLSchema-instance" xmlns:pc="http://schemas.microsoft.com/office/infopath/2007/PartnerControls">
+  <documentManagement>
+    <SharedWithUsers xmlns="83cd2334-221a-48c3-9034-bfd1542dfe28">
+      <UserInfo>
+        <DisplayName>Gilad Turbahn</DisplayName>
+        <AccountId>511</AccountId>
+        <AccountType/>
+      </UserInfo>
+      <UserInfo>
+        <DisplayName>Keith Boyd</DisplayName>
+        <AccountId>993</AccountId>
+        <AccountType/>
+      </UserInfo>
+      <UserInfo>
+        <DisplayName>Christopher Harrison</DisplayName>
+        <AccountId>1176</AccountId>
+        <AccountType/>
+      </UserInfo>
+    </SharedWithUsers>
+  </documentManagement>
+</p:properties>
+</file>
+
+<file path=customXml/item11.xml><?xml version="1.0" encoding="utf-8"?>
+<Control xmlns="http://schemas.microsoft.com/VisualStudio/2011/storyboarding/control">
+  <Id Name="369f9055-6b6c-48b9-9320-5df2d46c430a" Revision="1" Stencil="7276b9ef-3953-4dce-a89b-ed85f20b8b93" StencilVersion="1.0"/>
+</Control>
+</file>
+
+<file path=customXml/item12.xml><?xml version="1.0" encoding="utf-8"?>
+<Control xmlns="http://schemas.microsoft.com/VisualStudio/2011/storyboarding/control">
+  <Id Name="a2191c86-fc50-4add-948c-129f6b5a88d8" Revision="1" Stencil="7276b9ef-3953-4dce-a89b-ed85f20b8b93" StencilVersion="1.0"/>
+</Control>
+</file>
+
+<file path=customXml/item13.xml><?xml version="1.0" encoding="utf-8"?>
+<p:properties xmlns:p="http://schemas.microsoft.com/office/2006/metadata/properties" xmlns:xsi="http://www.w3.org/2001/XMLSchema-instance" xmlns:pc="http://schemas.microsoft.com/office/infopath/2007/PartnerControls">
+  <documentManagement>
+    <SharedWithUsers xmlns="83cd2334-221a-48c3-9034-bfd1542dfe28">
+      <UserInfo>
+        <DisplayName>Gilad Turbahn</DisplayName>
+        <AccountId>511</AccountId>
+        <AccountType/>
+      </UserInfo>
+      <UserInfo>
+        <DisplayName>Keith Boyd</DisplayName>
+        <AccountId>993</AccountId>
+        <AccountType/>
+      </UserInfo>
+      <UserInfo>
+        <DisplayName>Christopher Harrison</DisplayName>
+        <AccountId>1176</AccountId>
+        <AccountType/>
+      </UserInfo>
+    </SharedWithUsers>
+  </documentManagement>
+</p:properties>
+</file>
+
+<file path=customXml/item14.xml><?xml version="1.0" encoding="utf-8"?>
+<Control xmlns="http://schemas.microsoft.com/VisualStudio/2011/storyboarding/control">
+  <Id Name="369f9055-6b6c-48b9-9320-5df2d46c430a" Revision="1" Stencil="7276b9ef-3953-4dce-a89b-ed85f20b8b93" StencilVersion="1.0"/>
+</Control>
+</file>
+
+<file path=customXml/item15.xml><?xml version="1.0" encoding="utf-8"?>
 <Control xmlns="http://schemas.microsoft.com/VisualStudio/2011/storyboarding/control">
   <Id Name="fb22c541-ded0-47fa-8877-83a4c2d16227" Revision="1" Stencil="7276b9ef-3953-4dce-a89b-ed85f20b8b93" StencilVersion="1.0"/>
 </Control>
 </file>
 
-<file path=customXml/item11.xml><?xml version="1.0" encoding="utf-8"?>
-<Control xmlns="http://schemas.microsoft.com/VisualStudio/2011/storyboarding/control">
-  <Id Name="a53d73d2-368b-429e-b817-1324eec1382c" Revision="1" Stencil="7276b9ef-3953-4dce-a89b-ed85f20b8b93" StencilVersion="1.0"/>
-</Control>
-</file>
-
-<file path=customXml/item12.xml><?xml version="1.0" encoding="utf-8"?>
-<Control xmlns="http://schemas.microsoft.com/VisualStudio/2011/storyboarding/control">
-  <Id Name="369f9055-6b6c-48b9-9320-5df2d46c430a" Revision="1" Stencil="7276b9ef-3953-4dce-a89b-ed85f20b8b93" StencilVersion="1.0"/>
-</Control>
-</file>
-
-<file path=customXml/item13.xml><?xml version="1.0" encoding="utf-8"?>
-<Control xmlns="http://schemas.microsoft.com/VisualStudio/2011/storyboarding/control">
-  <Id Name="369f9055-6b6c-48b9-9320-5df2d46c430a" Revision="1" Stencil="7276b9ef-3953-4dce-a89b-ed85f20b8b93" StencilVersion="1.0"/>
-</Control>
-</file>
-
-<file path=customXml/item14.xml><?xml version="1.0" encoding="utf-8"?>
+<file path=customXml/item16.xml><?xml version="1.0" encoding="utf-8"?>
 <Control xmlns="http://schemas.microsoft.com/VisualStudio/2011/storyboarding/control">
   <Id Name="d69996e1-3d61-4686-9b63-f1b855c596ab" Revision="1" Stencil="7276b9ef-3953-4dce-a89b-ed85f20b8b93" StencilVersion="1.0"/>
 </Control>
 </file>
 
-<file path=customXml/item15.xml><?xml version="1.0" encoding="utf-8"?>
+<file path=customXml/item17.xml><?xml version="1.0" encoding="utf-8"?>
 <Control xmlns="http://schemas.microsoft.com/VisualStudio/2011/storyboarding/control">
   <Id Name="a2191c86-fc50-4add-948c-129f6b5a88d8" Revision="1" Stencil="7276b9ef-3953-4dce-a89b-ed85f20b8b93" StencilVersion="1.0"/>
-</Control>
-</file>
-
-<file path=customXml/item16.xml><?xml version="1.0" encoding="utf-8"?>
-<Control xmlns="http://schemas.microsoft.com/VisualStudio/2011/storyboarding/control">
-  <Id Name="fb22c541-ded0-47fa-8877-83a4c2d16227" Revision="1" Stencil="7276b9ef-3953-4dce-a89b-ed85f20b8b93" StencilVersion="1.0"/>
-</Control>
-</file>
-
-<file path=customXml/item17.xml><?xml version="1.0" encoding="utf-8"?>
-<Control xmlns="http://schemas.microsoft.com/VisualStudio/2011/storyboarding/control">
-  <Id Name="d69996e1-3d61-4686-9b63-f1b855c596ab" Revision="1" Stencil="7276b9ef-3953-4dce-a89b-ed85f20b8b93" StencilVersion="1.0"/>
 </Control>
 </file>
 
@@ -49608,23 +50007,11 @@
 
 <file path=customXml/item19.xml><?xml version="1.0" encoding="utf-8"?>
 <Control xmlns="http://schemas.microsoft.com/VisualStudio/2011/storyboarding/control">
-  <Id Name="d69996e1-3d61-4686-9b63-f1b855c596ab" Revision="1" Stencil="7276b9ef-3953-4dce-a89b-ed85f20b8b93" StencilVersion="1.0"/>
+  <Id Name="a53d73d2-368b-429e-b817-1324eec1382c" Revision="1" Stencil="7276b9ef-3953-4dce-a89b-ed85f20b8b93" StencilVersion="1.0"/>
 </Control>
 </file>
 
 <file path=customXml/item2.xml><?xml version="1.0" encoding="utf-8"?>
-<Control xmlns="http://schemas.microsoft.com/VisualStudio/2011/storyboarding/control">
-  <Id Name="a53d73d2-368b-429e-b817-1324eec1382c" Revision="1" Stencil="7276b9ef-3953-4dce-a89b-ed85f20b8b93" StencilVersion="1.0"/>
-</Control>
-</file>
-
-<file path=customXml/item20.xml><?xml version="1.0" encoding="utf-8"?>
-<Control xmlns="http://schemas.microsoft.com/VisualStudio/2011/storyboarding/control">
-  <Id Name="a2191c86-fc50-4add-948c-129f6b5a88d8" Revision="1" Stencil="7276b9ef-3953-4dce-a89b-ed85f20b8b93" StencilVersion="1.0"/>
-</Control>
-</file>
-
-<file path=customXml/item21.xml><?xml version="1.0" encoding="utf-8"?>
 <ct:contentTypeSchema xmlns:ct="http://schemas.microsoft.com/office/2006/metadata/contentType" xmlns:ma="http://schemas.microsoft.com/office/2006/metadata/properties/metaAttributes" ct:_="" ma:_="" ma:contentTypeName="Document" ma:contentTypeID="0x010100674EDBEC711BD14FBA6FF5C10FEFEAC7" ma:contentTypeVersion="2" ma:contentTypeDescription="Create a new document." ma:contentTypeScope="" ma:versionID="2439c5e21841780d4f192983b535a097">
   <xsd:schema xmlns:xsd="http://www.w3.org/2001/XMLSchema" xmlns:xs="http://www.w3.org/2001/XMLSchema" xmlns:p="http://schemas.microsoft.com/office/2006/metadata/properties" xmlns:ns2="83cd2334-221a-48c3-9034-bfd1542dfe28" targetNamespace="http://schemas.microsoft.com/office/2006/metadata/properties" ma:root="true" ma:fieldsID="2bca9163d8d0b233c3086236a9289b04" ns2:_="">
     <xsd:import namespace="83cd2334-221a-48c3-9034-bfd1542dfe28"/>
@@ -49772,51 +50159,45 @@
 </ct:contentTypeSchema>
 </file>
 
-<file path=customXml/item22.xml><?xml version="1.0" encoding="utf-8"?>
+<file path=customXml/item20.xml><?xml version="1.0" encoding="utf-8"?>
+<Control xmlns="http://schemas.microsoft.com/VisualStudio/2011/storyboarding/control">
+  <Id Name="d69996e1-3d61-4686-9b63-f1b855c596ab" Revision="1" Stencil="7276b9ef-3953-4dce-a89b-ed85f20b8b93" StencilVersion="1.0"/>
+</Control>
+</file>
+
+<file path=customXml/item21.xml><?xml version="1.0" encoding="utf-8"?>
 <Control xmlns="http://schemas.microsoft.com/VisualStudio/2011/storyboarding/control">
   <Id Name="fb22c541-ded0-47fa-8877-83a4c2d16227" Revision="1" Stencil="7276b9ef-3953-4dce-a89b-ed85f20b8b93" StencilVersion="1.0"/>
 </Control>
 </file>
 
-<file path=customXml/item23.xml><?xml version="1.0" encoding="utf-8"?>
-<p:properties xmlns:p="http://schemas.microsoft.com/office/2006/metadata/properties" xmlns:xsi="http://www.w3.org/2001/XMLSchema-instance" xmlns:pc="http://schemas.microsoft.com/office/infopath/2007/PartnerControls">
-  <documentManagement>
-    <SharedWithUsers xmlns="83cd2334-221a-48c3-9034-bfd1542dfe28">
-      <UserInfo>
-        <DisplayName>Gilad Turbahn</DisplayName>
-        <AccountId>511</AccountId>
-        <AccountType/>
-      </UserInfo>
-      <UserInfo>
-        <DisplayName>Keith Boyd</DisplayName>
-        <AccountId>993</AccountId>
-        <AccountType/>
-      </UserInfo>
-      <UserInfo>
-        <DisplayName>Christopher Harrison</DisplayName>
-        <AccountId>1176</AccountId>
-        <AccountType/>
-      </UserInfo>
-    </SharedWithUsers>
-  </documentManagement>
-</p:properties>
+<file path=customXml/item22.xml><?xml version="1.0" encoding="utf-8"?>
+<Control xmlns="http://schemas.microsoft.com/VisualStudio/2011/storyboarding/control">
+  <Id Name="369f9055-6b6c-48b9-9320-5df2d46c430a" Revision="1" Stencil="7276b9ef-3953-4dce-a89b-ed85f20b8b93" StencilVersion="1.0"/>
+</Control>
 </file>
 
-<file path=customXml/item24.xml><?xml version="1.0" encoding="utf-8"?>
+<file path=customXml/item23.xml><?xml version="1.0" encoding="utf-8"?>
 <Control xmlns="http://schemas.microsoft.com/VisualStudio/2011/storyboarding/control">
   <Id Name="d69996e1-3d61-4686-9b63-f1b855c596ab" Revision="1" Stencil="7276b9ef-3953-4dce-a89b-ed85f20b8b93" StencilVersion="1.0"/>
 </Control>
 </file>
 
+<file path=customXml/item24.xml><?xml version="1.0" encoding="utf-8"?>
+<Control xmlns="http://schemas.microsoft.com/VisualStudio/2011/storyboarding/control">
+  <Id Name="fb22c541-ded0-47fa-8877-83a4c2d16227" Revision="1" Stencil="7276b9ef-3953-4dce-a89b-ed85f20b8b93" StencilVersion="1.0"/>
+</Control>
+</file>
+
 <file path=customXml/item25.xml><?xml version="1.0" encoding="utf-8"?>
 <Control xmlns="http://schemas.microsoft.com/VisualStudio/2011/storyboarding/control">
-  <Id Name="d69996e1-3d61-4686-9b63-f1b855c596ab" Revision="1" Stencil="7276b9ef-3953-4dce-a89b-ed85f20b8b93" StencilVersion="1.0"/>
+  <Id Name="a53d73d2-368b-429e-b817-1324eec1382c" Revision="1" Stencil="7276b9ef-3953-4dce-a89b-ed85f20b8b93" StencilVersion="1.0"/>
 </Control>
 </file>
 
 <file path=customXml/item26.xml><?xml version="1.0" encoding="utf-8"?>
 <Control xmlns="http://schemas.microsoft.com/VisualStudio/2011/storyboarding/control">
-  <Id Name="a2191c86-fc50-4add-948c-129f6b5a88d8" Revision="1" Stencil="7276b9ef-3953-4dce-a89b-ed85f20b8b93" StencilVersion="1.0"/>
+  <Id Name="369f9055-6b6c-48b9-9320-5df2d46c430a" Revision="1" Stencil="7276b9ef-3953-4dce-a89b-ed85f20b8b93" StencilVersion="1.0"/>
 </Control>
 </file>
 
@@ -49828,25 +50209,25 @@
 
 <file path=customXml/item28.xml><?xml version="1.0" encoding="utf-8"?>
 <Control xmlns="http://schemas.microsoft.com/VisualStudio/2011/storyboarding/control">
-  <Id Name="369f9055-6b6c-48b9-9320-5df2d46c430a" Revision="1" Stencil="7276b9ef-3953-4dce-a89b-ed85f20b8b93" StencilVersion="1.0"/>
+  <Id Name="d69996e1-3d61-4686-9b63-f1b855c596ab" Revision="1" Stencil="7276b9ef-3953-4dce-a89b-ed85f20b8b93" StencilVersion="1.0"/>
 </Control>
 </file>
 
 <file path=customXml/item29.xml><?xml version="1.0" encoding="utf-8"?>
 <Control xmlns="http://schemas.microsoft.com/VisualStudio/2011/storyboarding/control">
-  <Id Name="fb22c541-ded0-47fa-8877-83a4c2d16227" Revision="1" Stencil="7276b9ef-3953-4dce-a89b-ed85f20b8b93" StencilVersion="1.0"/>
+  <Id Name="d69996e1-3d61-4686-9b63-f1b855c596ab" Revision="1" Stencil="7276b9ef-3953-4dce-a89b-ed85f20b8b93" StencilVersion="1.0"/>
 </Control>
 </file>
 
 <file path=customXml/item3.xml><?xml version="1.0" encoding="utf-8"?>
 <Control xmlns="http://schemas.microsoft.com/VisualStudio/2011/storyboarding/control">
-  <Id Name="369f9055-6b6c-48b9-9320-5df2d46c430a" Revision="1" Stencil="7276b9ef-3953-4dce-a89b-ed85f20b8b93" StencilVersion="1.0"/>
+  <Id Name="fb22c541-ded0-47fa-8877-83a4c2d16227" Revision="1" Stencil="7276b9ef-3953-4dce-a89b-ed85f20b8b93" StencilVersion="1.0"/>
 </Control>
 </file>
 
 <file path=customXml/item30.xml><?xml version="1.0" encoding="utf-8"?>
 <Control xmlns="http://schemas.microsoft.com/VisualStudio/2011/storyboarding/control">
-  <Id Name="d69996e1-3d61-4686-9b63-f1b855c596ab" Revision="1" Stencil="7276b9ef-3953-4dce-a89b-ed85f20b8b93" StencilVersion="1.0"/>
+  <Id Name="a2191c86-fc50-4add-948c-129f6b5a88d8" Revision="1" Stencil="7276b9ef-3953-4dce-a89b-ed85f20b8b93" StencilVersion="1.0"/>
 </Control>
 </file>
 
@@ -49857,27 +50238,9 @@
 </file>
 
 <file path=customXml/item32.xml><?xml version="1.0" encoding="utf-8"?>
-<p:properties xmlns:p="http://schemas.microsoft.com/office/2006/metadata/properties" xmlns:xsi="http://www.w3.org/2001/XMLSchema-instance" xmlns:pc="http://schemas.microsoft.com/office/infopath/2007/PartnerControls">
-  <documentManagement>
-    <SharedWithUsers xmlns="83cd2334-221a-48c3-9034-bfd1542dfe28">
-      <UserInfo>
-        <DisplayName>Gilad Turbahn</DisplayName>
-        <AccountId>511</AccountId>
-        <AccountType/>
-      </UserInfo>
-      <UserInfo>
-        <DisplayName>Keith Boyd</DisplayName>
-        <AccountId>993</AccountId>
-        <AccountType/>
-      </UserInfo>
-      <UserInfo>
-        <DisplayName>Christopher Harrison</DisplayName>
-        <AccountId>1176</AccountId>
-        <AccountType/>
-      </UserInfo>
-    </SharedWithUsers>
-  </documentManagement>
-</p:properties>
+<Control xmlns="http://schemas.microsoft.com/VisualStudio/2011/storyboarding/control">
+  <Id Name="a53d73d2-368b-429e-b817-1324eec1382c" Revision="1" Stencil="7276b9ef-3953-4dce-a89b-ed85f20b8b93" StencilVersion="1.0"/>
+</Control>
 </file>
 
 <file path=customXml/item33.xml><?xml version="1.0" encoding="utf-8"?>
@@ -49888,17 +50251,11 @@
 
 <file path=customXml/item34.xml><?xml version="1.0" encoding="utf-8"?>
 <Control xmlns="http://schemas.microsoft.com/VisualStudio/2011/storyboarding/control">
-  <Id Name="fb22c541-ded0-47fa-8877-83a4c2d16227" Revision="1" Stencil="7276b9ef-3953-4dce-a89b-ed85f20b8b93" StencilVersion="1.0"/>
+  <Id Name="369f9055-6b6c-48b9-9320-5df2d46c430a" Revision="1" Stencil="7276b9ef-3953-4dce-a89b-ed85f20b8b93" StencilVersion="1.0"/>
 </Control>
 </file>
 
 <file path=customXml/item35.xml><?xml version="1.0" encoding="utf-8"?>
-<Control xmlns="http://schemas.microsoft.com/VisualStudio/2011/storyboarding/control">
-  <Id Name="fb22c541-ded0-47fa-8877-83a4c2d16227" Revision="1" Stencil="7276b9ef-3953-4dce-a89b-ed85f20b8b93" StencilVersion="1.0"/>
-</Control>
-</file>
-
-<file path=customXml/item4.xml><?xml version="1.0" encoding="utf-8"?>
 <?mso-contentType ?>
 <FormTemplates xmlns="http://schemas.microsoft.com/sharepoint/v3/contenttype/forms">
   <Display>DocumentLibraryForm</Display>
@@ -49907,21 +50264,27 @@
 </FormTemplates>
 </file>
 
+<file path=customXml/item4.xml><?xml version="1.0" encoding="utf-8"?>
+<Control xmlns="http://schemas.microsoft.com/VisualStudio/2011/storyboarding/control">
+  <Id Name="a53d73d2-368b-429e-b817-1324eec1382c" Revision="1" Stencil="7276b9ef-3953-4dce-a89b-ed85f20b8b93" StencilVersion="1.0"/>
+</Control>
+</file>
+
 <file path=customXml/item5.xml><?xml version="1.0" encoding="utf-8"?>
 <Control xmlns="http://schemas.microsoft.com/VisualStudio/2011/storyboarding/control">
-  <Id Name="369f9055-6b6c-48b9-9320-5df2d46c430a" Revision="1" Stencil="7276b9ef-3953-4dce-a89b-ed85f20b8b93" StencilVersion="1.0"/>
+  <Id Name="a53d73d2-368b-429e-b817-1324eec1382c" Revision="1" Stencil="7276b9ef-3953-4dce-a89b-ed85f20b8b93" StencilVersion="1.0"/>
 </Control>
 </file>
 
 <file path=customXml/item6.xml><?xml version="1.0" encoding="utf-8"?>
 <Control xmlns="http://schemas.microsoft.com/VisualStudio/2011/storyboarding/control">
-  <Id Name="a2191c86-fc50-4add-948c-129f6b5a88d8" Revision="1" Stencil="7276b9ef-3953-4dce-a89b-ed85f20b8b93" StencilVersion="1.0"/>
+  <Id Name="fb22c541-ded0-47fa-8877-83a4c2d16227" Revision="1" Stencil="7276b9ef-3953-4dce-a89b-ed85f20b8b93" StencilVersion="1.0"/>
 </Control>
 </file>
 
 <file path=customXml/item7.xml><?xml version="1.0" encoding="utf-8"?>
 <Control xmlns="http://schemas.microsoft.com/VisualStudio/2011/storyboarding/control">
-  <Id Name="a53d73d2-368b-429e-b817-1324eec1382c" Revision="1" Stencil="7276b9ef-3953-4dce-a89b-ed85f20b8b93" StencilVersion="1.0"/>
+  <Id Name="fb22c541-ded0-47fa-8877-83a4c2d16227" Revision="1" Stencil="7276b9ef-3953-4dce-a89b-ed85f20b8b93" StencilVersion="1.0"/>
 </Control>
 </file>
 
@@ -49933,12 +50296,12 @@
 
 <file path=customXml/item9.xml><?xml version="1.0" encoding="utf-8"?>
 <Control xmlns="http://schemas.microsoft.com/VisualStudio/2011/storyboarding/control">
-  <Id Name="a53d73d2-368b-429e-b817-1324eec1382c" Revision="1" Stencil="7276b9ef-3953-4dce-a89b-ed85f20b8b93" StencilVersion="1.0"/>
+  <Id Name="d69996e1-3d61-4686-9b63-f1b855c596ab" Revision="1" Stencil="7276b9ef-3953-4dce-a89b-ed85f20b8b93" StencilVersion="1.0"/>
 </Control>
 </file>
 
 <file path=customXml/itemProps1.xml><?xml version="1.0" encoding="utf-8"?>
-<ds:datastoreItem xmlns:ds="http://schemas.openxmlformats.org/officeDocument/2006/customXml" ds:itemID="{6FB9D450-4C47-4A44-8C0D-C78D8A54C46F}">
+<ds:datastoreItem xmlns:ds="http://schemas.openxmlformats.org/officeDocument/2006/customXml" ds:itemID="{3C954CC5-1CAC-4EC3-9791-8630483065B9}">
   <ds:schemaRefs>
     <ds:schemaRef ds:uri="http://schemas.microsoft.com/VisualStudio/2011/storyboarding/control"/>
   </ds:schemaRefs>
@@ -49946,6 +50309,56 @@
 </file>
 
 <file path=customXml/itemProps10.xml><?xml version="1.0" encoding="utf-8"?>
+<ds:datastoreItem xmlns:ds="http://schemas.openxmlformats.org/officeDocument/2006/customXml" ds:itemID="{F990F116-B58F-4255-B05B-DA3808E0E5C6}">
+  <ds:schemaRefs>
+    <ds:schemaRef ds:uri="http://schemas.microsoft.com/office/2006/metadata/properties"/>
+    <ds:schemaRef ds:uri="http://schemas.microsoft.com/office/2006/documentManagement/types"/>
+    <ds:schemaRef ds:uri="http://purl.org/dc/dcmitype/"/>
+    <ds:schemaRef ds:uri="83cd2334-221a-48c3-9034-bfd1542dfe28"/>
+    <ds:schemaRef ds:uri="http://schemas.openxmlformats.org/package/2006/metadata/core-properties"/>
+    <ds:schemaRef ds:uri="http://schemas.microsoft.com/office/infopath/2007/PartnerControls"/>
+    <ds:schemaRef ds:uri="http://www.w3.org/XML/1998/namespace"/>
+    <ds:schemaRef ds:uri="http://purl.org/dc/terms/"/>
+    <ds:schemaRef ds:uri="http://purl.org/dc/elements/1.1/"/>
+  </ds:schemaRefs>
+</ds:datastoreItem>
+</file>
+
+<file path=customXml/itemProps11.xml><?xml version="1.0" encoding="utf-8"?>
+<ds:datastoreItem xmlns:ds="http://schemas.openxmlformats.org/officeDocument/2006/customXml" ds:itemID="{42D603BF-B513-4201-A599-21BA0F4FFC40}">
+  <ds:schemaRefs>
+    <ds:schemaRef ds:uri="http://schemas.microsoft.com/VisualStudio/2011/storyboarding/control"/>
+  </ds:schemaRefs>
+</ds:datastoreItem>
+</file>
+
+<file path=customXml/itemProps12.xml><?xml version="1.0" encoding="utf-8"?>
+<ds:datastoreItem xmlns:ds="http://schemas.openxmlformats.org/officeDocument/2006/customXml" ds:itemID="{D4B5F268-5930-44CD-BDF1-D0A04D4BBC1C}">
+  <ds:schemaRefs>
+    <ds:schemaRef ds:uri="http://schemas.microsoft.com/VisualStudio/2011/storyboarding/control"/>
+  </ds:schemaRefs>
+</ds:datastoreItem>
+</file>
+
+<file path=customXml/itemProps13.xml><?xml version="1.0" encoding="utf-8"?>
+<ds:datastoreItem xmlns:ds="http://schemas.openxmlformats.org/officeDocument/2006/customXml" ds:itemID="{29A419E7-5506-4231-819E-32B0D2087F4E}">
+  <ds:schemaRefs>
+    <ds:schemaRef ds:uri="http://schemas.microsoft.com/office/2006/metadata/properties"/>
+    <ds:schemaRef ds:uri="http://schemas.microsoft.com/office/infopath/2007/PartnerControls"/>
+    <ds:schemaRef ds:uri="83cd2334-221a-48c3-9034-bfd1542dfe28"/>
+  </ds:schemaRefs>
+</ds:datastoreItem>
+</file>
+
+<file path=customXml/itemProps14.xml><?xml version="1.0" encoding="utf-8"?>
+<ds:datastoreItem xmlns:ds="http://schemas.openxmlformats.org/officeDocument/2006/customXml" ds:itemID="{08C4EE12-DF69-4FFC-9E40-C7991F3490A6}">
+  <ds:schemaRefs>
+    <ds:schemaRef ds:uri="http://schemas.microsoft.com/VisualStudio/2011/storyboarding/control"/>
+  </ds:schemaRefs>
+</ds:datastoreItem>
+</file>
+
+<file path=customXml/itemProps15.xml><?xml version="1.0" encoding="utf-8"?>
 <ds:datastoreItem xmlns:ds="http://schemas.openxmlformats.org/officeDocument/2006/customXml" ds:itemID="{4E8278DB-3CDD-48A7-992E-A7596AD335B9}">
   <ds:schemaRefs>
     <ds:schemaRef ds:uri="http://schemas.microsoft.com/VisualStudio/2011/storyboarding/control"/>
@@ -49953,48 +50366,8 @@
 </ds:datastoreItem>
 </file>
 
-<file path=customXml/itemProps11.xml><?xml version="1.0" encoding="utf-8"?>
-<ds:datastoreItem xmlns:ds="http://schemas.openxmlformats.org/officeDocument/2006/customXml" ds:itemID="{ED350DFE-2319-4AB0-BC96-1D36D125365A}">
-  <ds:schemaRefs>
-    <ds:schemaRef ds:uri="http://schemas.microsoft.com/VisualStudio/2011/storyboarding/control"/>
-  </ds:schemaRefs>
-</ds:datastoreItem>
-</file>
-
-<file path=customXml/itemProps12.xml><?xml version="1.0" encoding="utf-8"?>
-<ds:datastoreItem xmlns:ds="http://schemas.openxmlformats.org/officeDocument/2006/customXml" ds:itemID="{7959CC6A-F423-4783-B968-3BCC86A7394E}">
-  <ds:schemaRefs>
-    <ds:schemaRef ds:uri="http://schemas.microsoft.com/VisualStudio/2011/storyboarding/control"/>
-  </ds:schemaRefs>
-</ds:datastoreItem>
-</file>
-
-<file path=customXml/itemProps13.xml><?xml version="1.0" encoding="utf-8"?>
-<ds:datastoreItem xmlns:ds="http://schemas.openxmlformats.org/officeDocument/2006/customXml" ds:itemID="{82DB428A-B8F8-483F-8276-095629A8ECDB}">
-  <ds:schemaRefs>
-    <ds:schemaRef ds:uri="http://schemas.microsoft.com/VisualStudio/2011/storyboarding/control"/>
-  </ds:schemaRefs>
-</ds:datastoreItem>
-</file>
-
-<file path=customXml/itemProps14.xml><?xml version="1.0" encoding="utf-8"?>
-<ds:datastoreItem xmlns:ds="http://schemas.openxmlformats.org/officeDocument/2006/customXml" ds:itemID="{0282FB20-2D4C-459D-8468-77D1D3C6925D}">
-  <ds:schemaRefs>
-    <ds:schemaRef ds:uri="http://schemas.microsoft.com/VisualStudio/2011/storyboarding/control"/>
-  </ds:schemaRefs>
-</ds:datastoreItem>
-</file>
-
-<file path=customXml/itemProps15.xml><?xml version="1.0" encoding="utf-8"?>
-<ds:datastoreItem xmlns:ds="http://schemas.openxmlformats.org/officeDocument/2006/customXml" ds:itemID="{D4B5F268-5930-44CD-BDF1-D0A04D4BBC1C}">
-  <ds:schemaRefs>
-    <ds:schemaRef ds:uri="http://schemas.microsoft.com/VisualStudio/2011/storyboarding/control"/>
-  </ds:schemaRefs>
-</ds:datastoreItem>
-</file>
-
 <file path=customXml/itemProps16.xml><?xml version="1.0" encoding="utf-8"?>
-<ds:datastoreItem xmlns:ds="http://schemas.openxmlformats.org/officeDocument/2006/customXml" ds:itemID="{D6FEE829-2115-45B4-8110-670FD454542B}">
+<ds:datastoreItem xmlns:ds="http://schemas.openxmlformats.org/officeDocument/2006/customXml" ds:itemID="{C63AC2F0-1DEB-4E91-A88A-7A014A172F4F}">
   <ds:schemaRefs>
     <ds:schemaRef ds:uri="http://schemas.microsoft.com/VisualStudio/2011/storyboarding/control"/>
   </ds:schemaRefs>
@@ -50002,7 +50375,7 @@
 </file>
 
 <file path=customXml/itemProps17.xml><?xml version="1.0" encoding="utf-8"?>
-<ds:datastoreItem xmlns:ds="http://schemas.openxmlformats.org/officeDocument/2006/customXml" ds:itemID="{3DC6CABD-46E1-4C27-A0B3-616DC56F8E5C}">
+<ds:datastoreItem xmlns:ds="http://schemas.openxmlformats.org/officeDocument/2006/customXml" ds:itemID="{8257D6BC-B71E-4D95-81E4-A1D4A8174168}">
   <ds:schemaRefs>
     <ds:schemaRef ds:uri="http://schemas.microsoft.com/VisualStudio/2011/storyboarding/control"/>
   </ds:schemaRefs>
@@ -50010,7 +50383,7 @@
 </file>
 
 <file path=customXml/itemProps18.xml><?xml version="1.0" encoding="utf-8"?>
-<ds:datastoreItem xmlns:ds="http://schemas.openxmlformats.org/officeDocument/2006/customXml" ds:itemID="{50326EE5-754B-4E02-99C4-DDA8AB4ABBEE}">
+<ds:datastoreItem xmlns:ds="http://schemas.openxmlformats.org/officeDocument/2006/customXml" ds:itemID="{758FDAC0-319D-4A54-8D8E-1D42CB1F8004}">
   <ds:schemaRefs>
     <ds:schemaRef ds:uri="http://schemas.microsoft.com/sharepoint/v3/contenttype/forms"/>
   </ds:schemaRefs>
@@ -50018,7 +50391,7 @@
 </file>
 
 <file path=customXml/itemProps19.xml><?xml version="1.0" encoding="utf-8"?>
-<ds:datastoreItem xmlns:ds="http://schemas.openxmlformats.org/officeDocument/2006/customXml" ds:itemID="{C63AC2F0-1DEB-4E91-A88A-7A014A172F4F}">
+<ds:datastoreItem xmlns:ds="http://schemas.openxmlformats.org/officeDocument/2006/customXml" ds:itemID="{21F6B647-976A-41D0-B760-9DF9DFC6AE3C}">
   <ds:schemaRefs>
     <ds:schemaRef ds:uri="http://schemas.microsoft.com/VisualStudio/2011/storyboarding/control"/>
   </ds:schemaRefs>
@@ -50026,22 +50399,6 @@
 </file>
 
 <file path=customXml/itemProps2.xml><?xml version="1.0" encoding="utf-8"?>
-<ds:datastoreItem xmlns:ds="http://schemas.openxmlformats.org/officeDocument/2006/customXml" ds:itemID="{F68D8396-E21C-4AFF-8FDD-70D00673D0EE}">
-  <ds:schemaRefs>
-    <ds:schemaRef ds:uri="http://schemas.microsoft.com/VisualStudio/2011/storyboarding/control"/>
-  </ds:schemaRefs>
-</ds:datastoreItem>
-</file>
-
-<file path=customXml/itemProps20.xml><?xml version="1.0" encoding="utf-8"?>
-<ds:datastoreItem xmlns:ds="http://schemas.openxmlformats.org/officeDocument/2006/customXml" ds:itemID="{4B16F4FE-7C26-4443-B426-81998D23ED87}">
-  <ds:schemaRefs>
-    <ds:schemaRef ds:uri="http://schemas.microsoft.com/VisualStudio/2011/storyboarding/control"/>
-  </ds:schemaRefs>
-</ds:datastoreItem>
-</file>
-
-<file path=customXml/itemProps21.xml><?xml version="1.0" encoding="utf-8"?>
 <ds:datastoreItem xmlns:ds="http://schemas.openxmlformats.org/officeDocument/2006/customXml" ds:itemID="{11F98F69-7518-4AE2-AE7B-E037DC9DDC97}">
   <ds:schemaRefs>
     <ds:schemaRef ds:uri="http://schemas.microsoft.com/office/2006/metadata/contentType"/>
@@ -50059,7 +50416,15 @@
 </ds:datastoreItem>
 </file>
 
-<file path=customXml/itemProps22.xml><?xml version="1.0" encoding="utf-8"?>
+<file path=customXml/itemProps20.xml><?xml version="1.0" encoding="utf-8"?>
+<ds:datastoreItem xmlns:ds="http://schemas.openxmlformats.org/officeDocument/2006/customXml" ds:itemID="{0282FB20-2D4C-459D-8468-77D1D3C6925D}">
+  <ds:schemaRefs>
+    <ds:schemaRef ds:uri="http://schemas.microsoft.com/VisualStudio/2011/storyboarding/control"/>
+  </ds:schemaRefs>
+</ds:datastoreItem>
+</file>
+
+<file path=customXml/itemProps21.xml><?xml version="1.0" encoding="utf-8"?>
 <ds:datastoreItem xmlns:ds="http://schemas.openxmlformats.org/officeDocument/2006/customXml" ds:itemID="{B5105A87-47B6-44F6-97FD-4619C0556604}">
   <ds:schemaRefs>
     <ds:schemaRef ds:uri="http://schemas.microsoft.com/VisualStudio/2011/storyboarding/control"/>
@@ -50067,18 +50432,24 @@
 </ds:datastoreItem>
 </file>
 
+<file path=customXml/itemProps22.xml><?xml version="1.0" encoding="utf-8"?>
+<ds:datastoreItem xmlns:ds="http://schemas.openxmlformats.org/officeDocument/2006/customXml" ds:itemID="{FE651ABA-5DC1-4ABD-A06E-055AE54B337B}">
+  <ds:schemaRefs>
+    <ds:schemaRef ds:uri="http://schemas.microsoft.com/VisualStudio/2011/storyboarding/control"/>
+  </ds:schemaRefs>
+</ds:datastoreItem>
+</file>
+
 <file path=customXml/itemProps23.xml><?xml version="1.0" encoding="utf-8"?>
-<ds:datastoreItem xmlns:ds="http://schemas.openxmlformats.org/officeDocument/2006/customXml" ds:itemID="{29A419E7-5506-4231-819E-32B0D2087F4E}">
+<ds:datastoreItem xmlns:ds="http://schemas.openxmlformats.org/officeDocument/2006/customXml" ds:itemID="{67213E6F-7B96-4222-888B-63710B06D885}">
   <ds:schemaRefs>
-    <ds:schemaRef ds:uri="http://schemas.microsoft.com/office/2006/metadata/properties"/>
-    <ds:schemaRef ds:uri="http://schemas.microsoft.com/office/infopath/2007/PartnerControls"/>
-    <ds:schemaRef ds:uri="83cd2334-221a-48c3-9034-bfd1542dfe28"/>
+    <ds:schemaRef ds:uri="http://schemas.microsoft.com/VisualStudio/2011/storyboarding/control"/>
   </ds:schemaRefs>
 </ds:datastoreItem>
 </file>
 
 <file path=customXml/itemProps24.xml><?xml version="1.0" encoding="utf-8"?>
-<ds:datastoreItem xmlns:ds="http://schemas.openxmlformats.org/officeDocument/2006/customXml" ds:itemID="{C0F92A87-A216-45A9-B9C0-0515663D35BF}">
+<ds:datastoreItem xmlns:ds="http://schemas.openxmlformats.org/officeDocument/2006/customXml" ds:itemID="{376216F9-AF6B-4844-AE8C-B9F953F916AB}">
   <ds:schemaRefs>
     <ds:schemaRef ds:uri="http://schemas.microsoft.com/VisualStudio/2011/storyboarding/control"/>
   </ds:schemaRefs>
@@ -50086,6 +50457,38 @@
 </file>
 
 <file path=customXml/itemProps25.xml><?xml version="1.0" encoding="utf-8"?>
+<ds:datastoreItem xmlns:ds="http://schemas.openxmlformats.org/officeDocument/2006/customXml" ds:itemID="{8893E80D-6D0C-4E0F-AA22-E5615BB87E5B}">
+  <ds:schemaRefs>
+    <ds:schemaRef ds:uri="http://schemas.microsoft.com/VisualStudio/2011/storyboarding/control"/>
+  </ds:schemaRefs>
+</ds:datastoreItem>
+</file>
+
+<file path=customXml/itemProps26.xml><?xml version="1.0" encoding="utf-8"?>
+<ds:datastoreItem xmlns:ds="http://schemas.openxmlformats.org/officeDocument/2006/customXml" ds:itemID="{38217AA1-CC95-49A9-B284-2ED4D347D7CA}">
+  <ds:schemaRefs>
+    <ds:schemaRef ds:uri="http://schemas.microsoft.com/VisualStudio/2011/storyboarding/control"/>
+  </ds:schemaRefs>
+</ds:datastoreItem>
+</file>
+
+<file path=customXml/itemProps27.xml><?xml version="1.0" encoding="utf-8"?>
+<ds:datastoreItem xmlns:ds="http://schemas.openxmlformats.org/officeDocument/2006/customXml" ds:itemID="{7959CC6A-F423-4783-B968-3BCC86A7394E}">
+  <ds:schemaRefs>
+    <ds:schemaRef ds:uri="http://schemas.microsoft.com/VisualStudio/2011/storyboarding/control"/>
+  </ds:schemaRefs>
+</ds:datastoreItem>
+</file>
+
+<file path=customXml/itemProps28.xml><?xml version="1.0" encoding="utf-8"?>
+<ds:datastoreItem xmlns:ds="http://schemas.openxmlformats.org/officeDocument/2006/customXml" ds:itemID="{3DC6CABD-46E1-4C27-A0B3-616DC56F8E5C}">
+  <ds:schemaRefs>
+    <ds:schemaRef ds:uri="http://schemas.microsoft.com/VisualStudio/2011/storyboarding/control"/>
+  </ds:schemaRefs>
+</ds:datastoreItem>
+</file>
+
+<file path=customXml/itemProps29.xml><?xml version="1.0" encoding="utf-8"?>
 <ds:datastoreItem xmlns:ds="http://schemas.openxmlformats.org/officeDocument/2006/customXml" ds:itemID="{366CA990-F93D-4100-9654-65D9E30F4E1C}">
   <ds:schemaRefs>
     <ds:schemaRef ds:uri="http://schemas.microsoft.com/VisualStudio/2011/storyboarding/control"/>
@@ -50093,31 +50496,87 @@
 </ds:datastoreItem>
 </file>
 
-<file path=customXml/itemProps26.xml><?xml version="1.0" encoding="utf-8"?>
-<ds:datastoreItem xmlns:ds="http://schemas.openxmlformats.org/officeDocument/2006/customXml" ds:itemID="{3C954CC5-1CAC-4EC3-9791-8630483065B9}">
+<file path=customXml/itemProps3.xml><?xml version="1.0" encoding="utf-8"?>
+<ds:datastoreItem xmlns:ds="http://schemas.openxmlformats.org/officeDocument/2006/customXml" ds:itemID="{4C1B3C27-4803-4D72-A3F8-6668A3F0A24B}">
   <ds:schemaRefs>
     <ds:schemaRef ds:uri="http://schemas.microsoft.com/VisualStudio/2011/storyboarding/control"/>
   </ds:schemaRefs>
 </ds:datastoreItem>
 </file>
 
-<file path=customXml/itemProps27.xml><?xml version="1.0" encoding="utf-8"?>
-<ds:datastoreItem xmlns:ds="http://schemas.openxmlformats.org/officeDocument/2006/customXml" ds:itemID="{FE651ABA-5DC1-4ABD-A06E-055AE54B337B}">
+<file path=customXml/itemProps30.xml><?xml version="1.0" encoding="utf-8"?>
+<ds:datastoreItem xmlns:ds="http://schemas.openxmlformats.org/officeDocument/2006/customXml" ds:itemID="{8BD595CA-AC5E-43B9-B966-E468A16E8322}">
   <ds:schemaRefs>
     <ds:schemaRef ds:uri="http://schemas.microsoft.com/VisualStudio/2011/storyboarding/control"/>
   </ds:schemaRefs>
 </ds:datastoreItem>
 </file>
 
-<file path=customXml/itemProps28.xml><?xml version="1.0" encoding="utf-8"?>
-<ds:datastoreItem xmlns:ds="http://schemas.openxmlformats.org/officeDocument/2006/customXml" ds:itemID="{08C4EE12-DF69-4FFC-9E40-C7991F3490A6}">
+<file path=customXml/itemProps31.xml><?xml version="1.0" encoding="utf-8"?>
+<ds:datastoreItem xmlns:ds="http://schemas.openxmlformats.org/officeDocument/2006/customXml" ds:itemID="{4B16F4FE-7C26-4443-B426-81998D23ED87}">
   <ds:schemaRefs>
     <ds:schemaRef ds:uri="http://schemas.microsoft.com/VisualStudio/2011/storyboarding/control"/>
   </ds:schemaRefs>
 </ds:datastoreItem>
 </file>
 
-<file path=customXml/itemProps29.xml><?xml version="1.0" encoding="utf-8"?>
+<file path=customXml/itemProps32.xml><?xml version="1.0" encoding="utf-8"?>
+<ds:datastoreItem xmlns:ds="http://schemas.openxmlformats.org/officeDocument/2006/customXml" ds:itemID="{6FB9D450-4C47-4A44-8C0D-C78D8A54C46F}">
+  <ds:schemaRefs>
+    <ds:schemaRef ds:uri="http://schemas.microsoft.com/VisualStudio/2011/storyboarding/control"/>
+  </ds:schemaRefs>
+</ds:datastoreItem>
+</file>
+
+<file path=customXml/itemProps33.xml><?xml version="1.0" encoding="utf-8"?>
+<ds:datastoreItem xmlns:ds="http://schemas.openxmlformats.org/officeDocument/2006/customXml" ds:itemID="{0B54C583-7BAB-4080-8093-C5F84F5A225A}">
+  <ds:schemaRefs>
+    <ds:schemaRef ds:uri="http://schemas.microsoft.com/VisualStudio/2011/storyboarding/control"/>
+  </ds:schemaRefs>
+</ds:datastoreItem>
+</file>
+
+<file path=customXml/itemProps34.xml><?xml version="1.0" encoding="utf-8"?>
+<ds:datastoreItem xmlns:ds="http://schemas.openxmlformats.org/officeDocument/2006/customXml" ds:itemID="{82DB428A-B8F8-483F-8276-095629A8ECDB}">
+  <ds:schemaRefs>
+    <ds:schemaRef ds:uri="http://schemas.microsoft.com/VisualStudio/2011/storyboarding/control"/>
+  </ds:schemaRefs>
+</ds:datastoreItem>
+</file>
+
+<file path=customXml/itemProps35.xml><?xml version="1.0" encoding="utf-8"?>
+<ds:datastoreItem xmlns:ds="http://schemas.openxmlformats.org/officeDocument/2006/customXml" ds:itemID="{50326EE5-754B-4E02-99C4-DDA8AB4ABBEE}">
+  <ds:schemaRefs>
+    <ds:schemaRef ds:uri="http://schemas.microsoft.com/sharepoint/v3/contenttype/forms"/>
+  </ds:schemaRefs>
+</ds:datastoreItem>
+</file>
+
+<file path=customXml/itemProps4.xml><?xml version="1.0" encoding="utf-8"?>
+<ds:datastoreItem xmlns:ds="http://schemas.openxmlformats.org/officeDocument/2006/customXml" ds:itemID="{4E805D65-1532-4BB0-8F41-8013167C0009}">
+  <ds:schemaRefs>
+    <ds:schemaRef ds:uri="http://schemas.microsoft.com/VisualStudio/2011/storyboarding/control"/>
+  </ds:schemaRefs>
+</ds:datastoreItem>
+</file>
+
+<file path=customXml/itemProps5.xml><?xml version="1.0" encoding="utf-8"?>
+<ds:datastoreItem xmlns:ds="http://schemas.openxmlformats.org/officeDocument/2006/customXml" ds:itemID="{F68D8396-E21C-4AFF-8FDD-70D00673D0EE}">
+  <ds:schemaRefs>
+    <ds:schemaRef ds:uri="http://schemas.microsoft.com/VisualStudio/2011/storyboarding/control"/>
+  </ds:schemaRefs>
+</ds:datastoreItem>
+</file>
+
+<file path=customXml/itemProps6.xml><?xml version="1.0" encoding="utf-8"?>
+<ds:datastoreItem xmlns:ds="http://schemas.openxmlformats.org/officeDocument/2006/customXml" ds:itemID="{D6FEE829-2115-45B4-8110-670FD454542B}">
+  <ds:schemaRefs>
+    <ds:schemaRef ds:uri="http://schemas.microsoft.com/VisualStudio/2011/storyboarding/control"/>
+  </ds:schemaRefs>
+</ds:datastoreItem>
+</file>
+
+<file path=customXml/itemProps7.xml><?xml version="1.0" encoding="utf-8"?>
 <ds:datastoreItem xmlns:ds="http://schemas.openxmlformats.org/officeDocument/2006/customXml" ds:itemID="{432851C6-BC05-4673-B853-6D08AB80CDC4}">
   <ds:schemaRefs>
     <ds:schemaRef ds:uri="http://schemas.microsoft.com/VisualStudio/2011/storyboarding/control"/>
@@ -50125,104 +50584,8 @@
 </ds:datastoreItem>
 </file>
 
-<file path=customXml/itemProps3.xml><?xml version="1.0" encoding="utf-8"?>
-<ds:datastoreItem xmlns:ds="http://schemas.openxmlformats.org/officeDocument/2006/customXml" ds:itemID="{38217AA1-CC95-49A9-B284-2ED4D347D7CA}">
-  <ds:schemaRefs>
-    <ds:schemaRef ds:uri="http://schemas.microsoft.com/VisualStudio/2011/storyboarding/control"/>
-  </ds:schemaRefs>
-</ds:datastoreItem>
-</file>
-
-<file path=customXml/itemProps30.xml><?xml version="1.0" encoding="utf-8"?>
-<ds:datastoreItem xmlns:ds="http://schemas.openxmlformats.org/officeDocument/2006/customXml" ds:itemID="{67213E6F-7B96-4222-888B-63710B06D885}">
-  <ds:schemaRefs>
-    <ds:schemaRef ds:uri="http://schemas.microsoft.com/VisualStudio/2011/storyboarding/control"/>
-  </ds:schemaRefs>
-</ds:datastoreItem>
-</file>
-
-<file path=customXml/itemProps31.xml><?xml version="1.0" encoding="utf-8"?>
-<ds:datastoreItem xmlns:ds="http://schemas.openxmlformats.org/officeDocument/2006/customXml" ds:itemID="{8257D6BC-B71E-4D95-81E4-A1D4A8174168}">
-  <ds:schemaRefs>
-    <ds:schemaRef ds:uri="http://schemas.microsoft.com/VisualStudio/2011/storyboarding/control"/>
-  </ds:schemaRefs>
-</ds:datastoreItem>
-</file>
-
-<file path=customXml/itemProps32.xml><?xml version="1.0" encoding="utf-8"?>
-<ds:datastoreItem xmlns:ds="http://schemas.openxmlformats.org/officeDocument/2006/customXml" ds:itemID="{F990F116-B58F-4255-B05B-DA3808E0E5C6}">
-  <ds:schemaRefs>
-    <ds:schemaRef ds:uri="http://schemas.microsoft.com/office/2006/metadata/properties"/>
-    <ds:schemaRef ds:uri="http://schemas.microsoft.com/office/2006/documentManagement/types"/>
-    <ds:schemaRef ds:uri="http://purl.org/dc/dcmitype/"/>
-    <ds:schemaRef ds:uri="83cd2334-221a-48c3-9034-bfd1542dfe28"/>
-    <ds:schemaRef ds:uri="http://schemas.openxmlformats.org/package/2006/metadata/core-properties"/>
-    <ds:schemaRef ds:uri="http://schemas.microsoft.com/office/infopath/2007/PartnerControls"/>
-    <ds:schemaRef ds:uri="http://www.w3.org/XML/1998/namespace"/>
-    <ds:schemaRef ds:uri="http://purl.org/dc/terms/"/>
-    <ds:schemaRef ds:uri="http://purl.org/dc/elements/1.1/"/>
-  </ds:schemaRefs>
-</ds:datastoreItem>
-</file>
-
-<file path=customXml/itemProps33.xml><?xml version="1.0" encoding="utf-8"?>
-<ds:datastoreItem xmlns:ds="http://schemas.openxmlformats.org/officeDocument/2006/customXml" ds:itemID="{8BD595CA-AC5E-43B9-B966-E468A16E8322}">
-  <ds:schemaRefs>
-    <ds:schemaRef ds:uri="http://schemas.microsoft.com/VisualStudio/2011/storyboarding/control"/>
-  </ds:schemaRefs>
-</ds:datastoreItem>
-</file>
-
-<file path=customXml/itemProps34.xml><?xml version="1.0" encoding="utf-8"?>
-<ds:datastoreItem xmlns:ds="http://schemas.openxmlformats.org/officeDocument/2006/customXml" ds:itemID="{4C1B3C27-4803-4D72-A3F8-6668A3F0A24B}">
-  <ds:schemaRefs>
-    <ds:schemaRef ds:uri="http://schemas.microsoft.com/VisualStudio/2011/storyboarding/control"/>
-  </ds:schemaRefs>
-</ds:datastoreItem>
-</file>
-
-<file path=customXml/itemProps35.xml><?xml version="1.0" encoding="utf-8"?>
-<ds:datastoreItem xmlns:ds="http://schemas.openxmlformats.org/officeDocument/2006/customXml" ds:itemID="{376216F9-AF6B-4844-AE8C-B9F953F916AB}">
-  <ds:schemaRefs>
-    <ds:schemaRef ds:uri="http://schemas.microsoft.com/VisualStudio/2011/storyboarding/control"/>
-  </ds:schemaRefs>
-</ds:datastoreItem>
-</file>
-
-<file path=customXml/itemProps4.xml><?xml version="1.0" encoding="utf-8"?>
-<ds:datastoreItem xmlns:ds="http://schemas.openxmlformats.org/officeDocument/2006/customXml" ds:itemID="{758FDAC0-319D-4A54-8D8E-1D42CB1F8004}">
-  <ds:schemaRefs>
-    <ds:schemaRef ds:uri="http://schemas.microsoft.com/sharepoint/v3/contenttype/forms"/>
-  </ds:schemaRefs>
-</ds:datastoreItem>
-</file>
-
-<file path=customXml/itemProps5.xml><?xml version="1.0" encoding="utf-8"?>
-<ds:datastoreItem xmlns:ds="http://schemas.openxmlformats.org/officeDocument/2006/customXml" ds:itemID="{42D603BF-B513-4201-A599-21BA0F4FFC40}">
-  <ds:schemaRefs>
-    <ds:schemaRef ds:uri="http://schemas.microsoft.com/VisualStudio/2011/storyboarding/control"/>
-  </ds:schemaRefs>
-</ds:datastoreItem>
-</file>
-
-<file path=customXml/itemProps6.xml><?xml version="1.0" encoding="utf-8"?>
-<ds:datastoreItem xmlns:ds="http://schemas.openxmlformats.org/officeDocument/2006/customXml" ds:itemID="{0B54C583-7BAB-4080-8093-C5F84F5A225A}">
-  <ds:schemaRefs>
-    <ds:schemaRef ds:uri="http://schemas.microsoft.com/VisualStudio/2011/storyboarding/control"/>
-  </ds:schemaRefs>
-</ds:datastoreItem>
-</file>
-
-<file path=customXml/itemProps7.xml><?xml version="1.0" encoding="utf-8"?>
-<ds:datastoreItem xmlns:ds="http://schemas.openxmlformats.org/officeDocument/2006/customXml" ds:itemID="{4E805D65-1532-4BB0-8F41-8013167C0009}">
-  <ds:schemaRefs>
-    <ds:schemaRef ds:uri="http://schemas.microsoft.com/VisualStudio/2011/storyboarding/control"/>
-  </ds:schemaRefs>
-</ds:datastoreItem>
-</file>
-
 <file path=customXml/itemProps8.xml><?xml version="1.0" encoding="utf-8"?>
-<ds:datastoreItem xmlns:ds="http://schemas.openxmlformats.org/officeDocument/2006/customXml" ds:itemID="{8893E80D-6D0C-4E0F-AA22-E5615BB87E5B}">
+<ds:datastoreItem xmlns:ds="http://schemas.openxmlformats.org/officeDocument/2006/customXml" ds:itemID="{ED350DFE-2319-4AB0-BC96-1D36D125365A}">
   <ds:schemaRefs>
     <ds:schemaRef ds:uri="http://schemas.microsoft.com/VisualStudio/2011/storyboarding/control"/>
   </ds:schemaRefs>
@@ -50230,7 +50593,7 @@
 </file>
 
 <file path=customXml/itemProps9.xml><?xml version="1.0" encoding="utf-8"?>
-<ds:datastoreItem xmlns:ds="http://schemas.openxmlformats.org/officeDocument/2006/customXml" ds:itemID="{21F6B647-976A-41D0-B760-9DF9DFC6AE3C}">
+<ds:datastoreItem xmlns:ds="http://schemas.openxmlformats.org/officeDocument/2006/customXml" ds:itemID="{C0F92A87-A216-45A9-B9C0-0515663D35BF}">
   <ds:schemaRefs>
     <ds:schemaRef ds:uri="http://schemas.microsoft.com/VisualStudio/2011/storyboarding/control"/>
   </ds:schemaRefs>
